--- a/08/yongki/ParallelandAsynchronous.pptx
+++ b/08/yongki/ParallelandAsynchronous.pptx
@@ -5,7 +5,7 @@
     <p:sldMasterId id="2147483648" r:id="rId1"/>
   </p:sldMasterIdLst>
   <p:notesMasterIdLst>
-    <p:notesMasterId r:id="rId20"/>
+    <p:notesMasterId r:id="rId22"/>
   </p:notesMasterIdLst>
   <p:sldIdLst>
     <p:sldId id="256" r:id="rId2"/>
@@ -25,7 +25,9 @@
     <p:sldId id="303" r:id="rId16"/>
     <p:sldId id="309" r:id="rId17"/>
     <p:sldId id="308" r:id="rId18"/>
-    <p:sldId id="301" r:id="rId19"/>
+    <p:sldId id="310" r:id="rId19"/>
+    <p:sldId id="311" r:id="rId20"/>
+    <p:sldId id="301" r:id="rId21"/>
   </p:sldIdLst>
   <p:sldSz cx="9144000" cy="6858000" type="screen4x3"/>
   <p:notesSz cx="6858000" cy="9144000"/>
@@ -5428,7 +5430,7 @@
         </p:nvSpPr>
         <p:spPr bwMode="auto">
           <a:xfrm>
-            <a:off x="693912" y="5877272"/>
+            <a:off x="534101" y="4923370"/>
             <a:ext cx="7992888" cy="307777"/>
           </a:xfrm>
           <a:prstGeom prst="rect">
@@ -5610,7 +5612,7 @@
               <a:buNone/>
             </a:pPr>
             <a:r>
-              <a:rPr lang="ko-KR" altLang="en-US" sz="1400">
+              <a:rPr lang="ko-KR" altLang="en-US" sz="1400" b="1">
                 <a:solidFill>
                   <a:srgbClr val="000000"/>
                 </a:solidFill>
@@ -5620,14 +5622,24 @@
               <a:t>어떻게 동시성을 가질 수 있을까</a:t>
             </a:r>
             <a:r>
-              <a:rPr lang="en-US" altLang="ko-KR" sz="1400">
+              <a:rPr lang="en-US" altLang="ko-KR" sz="1400" b="1">
                 <a:solidFill>
                   <a:srgbClr val="000000"/>
                 </a:solidFill>
                 <a:latin typeface="맑은 고딕" panose="020B0503020000020004" pitchFamily="50" charset="-127"/>
                 <a:ea typeface="맑은 고딕" panose="020B0503020000020004" pitchFamily="50" charset="-127"/>
               </a:rPr>
-              <a:t>? </a:t>
+              <a:t>?</a:t>
+            </a:r>
+            <a:r>
+              <a:rPr lang="en-US" altLang="ko-KR" sz="1400">
+                <a:solidFill>
+                  <a:srgbClr val="000000"/>
+                </a:solidFill>
+                <a:latin typeface="맑은 고딕" panose="020B0503020000020004" pitchFamily="50" charset="-127"/>
+                <a:ea typeface="맑은 고딕" panose="020B0503020000020004" pitchFamily="50" charset="-127"/>
+              </a:rPr>
+              <a:t> </a:t>
             </a:r>
             <a:r>
               <a:rPr lang="ko-KR" altLang="en-US" sz="1400">
@@ -6875,7 +6887,7 @@
         </p:nvSpPr>
         <p:spPr bwMode="auto">
           <a:xfrm>
-            <a:off x="4788024" y="2661054"/>
+            <a:off x="579098" y="3224233"/>
             <a:ext cx="4204410" cy="307777"/>
           </a:xfrm>
           <a:prstGeom prst="rect">
@@ -7441,7 +7453,7 @@
         </p:blipFill>
         <p:spPr>
           <a:xfrm>
-            <a:off x="4865964" y="3081845"/>
+            <a:off x="657038" y="3645024"/>
             <a:ext cx="4204411" cy="352325"/>
           </a:xfrm>
           <a:prstGeom prst="rect">
@@ -7465,8 +7477,8 @@
         </p:nvSpPr>
         <p:spPr bwMode="auto">
           <a:xfrm>
-            <a:off x="573217" y="3986779"/>
-            <a:ext cx="7909978" cy="1255728"/>
+            <a:off x="637172" y="4522223"/>
+            <a:ext cx="4055211" cy="1471172"/>
           </a:xfrm>
           <a:prstGeom prst="rect">
             <a:avLst/>
@@ -7785,6 +7797,35 @@
           </a:p>
         </p:txBody>
       </p:sp>
+      <p:pic>
+        <p:nvPicPr>
+          <p:cNvPr id="12" name="그림 11">
+            <a:extLst>
+              <a:ext uri="{FF2B5EF4-FFF2-40B4-BE49-F238E27FC236}">
+                <a16:creationId xmlns:a16="http://schemas.microsoft.com/office/drawing/2014/main" id="{0F0B87D7-603A-4D7C-BAD7-DCE98678777C}"/>
+              </a:ext>
+            </a:extLst>
+          </p:cNvPr>
+          <p:cNvPicPr>
+            <a:picLocks noChangeAspect="1"/>
+          </p:cNvPicPr>
+          <p:nvPr/>
+        </p:nvPicPr>
+        <p:blipFill rotWithShape="1">
+          <a:blip r:embed="rId3"/>
+          <a:srcRect l="75200"/>
+          <a:stretch/>
+        </p:blipFill>
+        <p:spPr>
+          <a:xfrm>
+            <a:off x="6012160" y="2968831"/>
+            <a:ext cx="2267744" cy="3431246"/>
+          </a:xfrm>
+          <a:prstGeom prst="rect">
+            <a:avLst/>
+          </a:prstGeom>
+        </p:spPr>
+      </p:pic>
     </p:spTree>
     <p:extLst>
       <p:ext uri="{BB962C8B-B14F-4D97-AF65-F5344CB8AC3E}">
@@ -7829,7 +7870,7 @@
                                           </p:stCondLst>
                                         </p:cTn>
                                         <p:tgtEl>
-                                          <p:spTgt spid="10"/>
+                                          <p:spTgt spid="11"/>
                                         </p:tgtEl>
                                         <p:attrNameLst>
                                           <p:attrName>style.visibility</p:attrName>
@@ -7843,7 +7884,7 @@
                                 </p:cTn>
                               </p:par>
                               <p:par>
-                                <p:cTn id="7" presetID="1" presetClass="entr" presetSubtype="0" fill="hold" grpId="0" nodeType="withEffect">
+                                <p:cTn id="7" presetID="1" presetClass="entr" presetSubtype="0" fill="hold" nodeType="withEffect">
                                   <p:stCondLst>
                                     <p:cond delay="0"/>
                                   </p:stCondLst>
@@ -7856,7 +7897,34 @@
                                           </p:stCondLst>
                                         </p:cTn>
                                         <p:tgtEl>
-                                          <p:spTgt spid="11"/>
+                                          <p:spTgt spid="7"/>
+                                        </p:tgtEl>
+                                        <p:attrNameLst>
+                                          <p:attrName>style.visibility</p:attrName>
+                                        </p:attrNameLst>
+                                      </p:cBhvr>
+                                      <p:to>
+                                        <p:strVal val="visible"/>
+                                      </p:to>
+                                    </p:set>
+                                  </p:childTnLst>
+                                </p:cTn>
+                              </p:par>
+                              <p:par>
+                                <p:cTn id="9" presetID="1" presetClass="entr" presetSubtype="0" fill="hold" grpId="0" nodeType="withEffect">
+                                  <p:stCondLst>
+                                    <p:cond delay="0"/>
+                                  </p:stCondLst>
+                                  <p:childTnLst>
+                                    <p:set>
+                                      <p:cBhvr>
+                                        <p:cTn id="10" dur="1" fill="hold">
+                                          <p:stCondLst>
+                                            <p:cond delay="0"/>
+                                          </p:stCondLst>
+                                        </p:cTn>
+                                        <p:tgtEl>
+                                          <p:spTgt spid="10"/>
                                         </p:tgtEl>
                                         <p:attrNameLst>
                                           <p:attrName>style.visibility</p:attrName>
@@ -7876,32 +7944,59 @@
                     </p:cTn>
                   </p:par>
                   <p:par>
-                    <p:cTn id="9" fill="hold">
+                    <p:cTn id="11" fill="hold">
                       <p:stCondLst>
                         <p:cond delay="indefinite"/>
                       </p:stCondLst>
                       <p:childTnLst>
                         <p:par>
-                          <p:cTn id="10" fill="hold">
+                          <p:cTn id="12" fill="hold">
                             <p:stCondLst>
                               <p:cond delay="0"/>
                             </p:stCondLst>
                             <p:childTnLst>
                               <p:par>
-                                <p:cTn id="11" presetID="1" presetClass="entr" presetSubtype="0" fill="hold" grpId="0" nodeType="clickEffect">
+                                <p:cTn id="13" presetID="1" presetClass="entr" presetSubtype="0" fill="hold" grpId="0" nodeType="clickEffect">
                                   <p:stCondLst>
                                     <p:cond delay="0"/>
                                   </p:stCondLst>
                                   <p:childTnLst>
                                     <p:set>
                                       <p:cBhvr>
-                                        <p:cTn id="12" dur="1" fill="hold">
+                                        <p:cTn id="14" dur="1" fill="hold">
                                           <p:stCondLst>
                                             <p:cond delay="0"/>
                                           </p:stCondLst>
                                         </p:cTn>
                                         <p:tgtEl>
                                           <p:spTgt spid="17"/>
+                                        </p:tgtEl>
+                                        <p:attrNameLst>
+                                          <p:attrName>style.visibility</p:attrName>
+                                        </p:attrNameLst>
+                                      </p:cBhvr>
+                                      <p:to>
+                                        <p:strVal val="visible"/>
+                                      </p:to>
+                                    </p:set>
+                                  </p:childTnLst>
+                                </p:cTn>
+                              </p:par>
+                              <p:par>
+                                <p:cTn id="15" presetID="1" presetClass="entr" presetSubtype="0" fill="hold" nodeType="withEffect">
+                                  <p:stCondLst>
+                                    <p:cond delay="0"/>
+                                  </p:stCondLst>
+                                  <p:childTnLst>
+                                    <p:set>
+                                      <p:cBhvr>
+                                        <p:cTn id="16" dur="1" fill="hold">
+                                          <p:stCondLst>
+                                            <p:cond delay="0"/>
+                                          </p:stCondLst>
+                                        </p:cTn>
+                                        <p:tgtEl>
+                                          <p:spTgt spid="12"/>
                                         </p:tgtEl>
                                         <p:attrNameLst>
                                           <p:attrName>style.visibility</p:attrName>
@@ -9179,6 +9274,36 @@
           <a:chExt cx="0" cy="0"/>
         </a:xfrm>
       </p:grpSpPr>
+      <p:pic>
+        <p:nvPicPr>
+          <p:cNvPr id="12" name="그림 11">
+            <a:extLst>
+              <a:ext uri="{FF2B5EF4-FFF2-40B4-BE49-F238E27FC236}">
+                <a16:creationId xmlns:a16="http://schemas.microsoft.com/office/drawing/2014/main" id="{446F6CA4-4020-409B-AC18-2637929881EF}"/>
+              </a:ext>
+            </a:extLst>
+          </p:cNvPr>
+          <p:cNvPicPr>
+            <a:picLocks noChangeAspect="1"/>
+          </p:cNvPicPr>
+          <p:nvPr/>
+        </p:nvPicPr>
+        <p:blipFill>
+          <a:blip r:embed="rId2"/>
+          <a:stretch>
+            <a:fillRect/>
+          </a:stretch>
+        </p:blipFill>
+        <p:spPr>
+          <a:xfrm>
+            <a:off x="0" y="1412776"/>
+            <a:ext cx="9144000" cy="3431246"/>
+          </a:xfrm>
+          <a:prstGeom prst="rect">
+            <a:avLst/>
+          </a:prstGeom>
+        </p:spPr>
+      </p:pic>
       <p:sp>
         <p:nvSpPr>
           <p:cNvPr id="5122" name="Rectangle 2">
@@ -9384,35 +9509,6 @@
           </a:p>
         </p:txBody>
       </p:sp>
-      <p:pic>
-        <p:nvPicPr>
-          <p:cNvPr id="4" name="그림 3">
-            <a:extLst>
-              <a:ext uri="{FF2B5EF4-FFF2-40B4-BE49-F238E27FC236}">
-                <a16:creationId xmlns:a16="http://schemas.microsoft.com/office/drawing/2014/main" id="{F2AE8F4A-26B4-4FDF-AB6A-186AB24441CD}"/>
-              </a:ext>
-            </a:extLst>
-          </p:cNvPr>
-          <p:cNvPicPr>
-            <a:picLocks noChangeAspect="1"/>
-          </p:cNvPicPr>
-          <p:nvPr/>
-        </p:nvPicPr>
-        <p:blipFill rotWithShape="1">
-          <a:blip r:embed="rId2"/>
-          <a:srcRect l="23226"/>
-          <a:stretch/>
-        </p:blipFill>
-        <p:spPr>
-          <a:xfrm>
-            <a:off x="749603" y="1340770"/>
-            <a:ext cx="7644794" cy="3736489"/>
-          </a:xfrm>
-          <a:prstGeom prst="rect">
-            <a:avLst/>
-          </a:prstGeom>
-        </p:spPr>
-      </p:pic>
       <p:sp>
         <p:nvSpPr>
           <p:cNvPr id="7" name="TextBox 6">
@@ -10077,7 +10173,7 @@
                 <a:latin typeface="맑은 고딕" panose="020B0503020000020004" pitchFamily="50" charset="-127"/>
                 <a:ea typeface="맑은 고딕" panose="020B0503020000020004" pitchFamily="50" charset="-127"/>
               </a:rPr>
-              <a:t>시스템의 실행 한도</a:t>
+              <a:t>시스템의 실행 한도의 영향을 받아</a:t>
             </a:r>
             <a:r>
               <a:rPr lang="ko-KR" altLang="en-US" sz="1400">
@@ -10087,7 +10183,7 @@
                 <a:latin typeface="맑은 고딕" panose="020B0503020000020004" pitchFamily="50" charset="-127"/>
                 <a:ea typeface="맑은 고딕" panose="020B0503020000020004" pitchFamily="50" charset="-127"/>
               </a:rPr>
-              <a:t>의 영향을 받아 큐의 콜백함수를 처리하다가 포기하고 </a:t>
+              <a:t> 큐의 콜백함수를 처리하다가 포기하고 </a:t>
             </a:r>
             <a:br>
               <a:rPr lang="en-US" altLang="ko-KR" sz="1400">
@@ -10159,6 +10255,84 @@
           </a:p>
         </p:txBody>
       </p:sp>
+      <p:pic>
+        <p:nvPicPr>
+          <p:cNvPr id="9" name="그래픽 8" descr="배지 체크 표시1 단색으로 채워진">
+            <a:extLst>
+              <a:ext uri="{FF2B5EF4-FFF2-40B4-BE49-F238E27FC236}">
+                <a16:creationId xmlns:a16="http://schemas.microsoft.com/office/drawing/2014/main" id="{BC51DC9C-5873-444C-9BC0-C72CFD5FCF1E}"/>
+              </a:ext>
+            </a:extLst>
+          </p:cNvPr>
+          <p:cNvPicPr>
+            <a:picLocks noChangeAspect="1"/>
+          </p:cNvPicPr>
+          <p:nvPr/>
+        </p:nvPicPr>
+        <p:blipFill>
+          <a:blip r:embed="rId3">
+            <a:extLst>
+              <a:ext uri="{28A0092B-C50C-407E-A947-70E740481C1C}">
+                <a14:useLocalDpi xmlns:a14="http://schemas.microsoft.com/office/drawing/2010/main" val="0"/>
+              </a:ext>
+              <a:ext uri="{96DAC541-7B7A-43D3-8B79-37D633B846F1}">
+                <asvg:svgBlip xmlns:asvg="http://schemas.microsoft.com/office/drawing/2016/SVG/main" r:embed="rId4"/>
+              </a:ext>
+            </a:extLst>
+          </a:blip>
+          <a:stretch>
+            <a:fillRect/>
+          </a:stretch>
+        </p:blipFill>
+        <p:spPr>
+          <a:xfrm>
+            <a:off x="4230832" y="2708176"/>
+            <a:ext cx="630805" cy="630805"/>
+          </a:xfrm>
+          <a:prstGeom prst="rect">
+            <a:avLst/>
+          </a:prstGeom>
+        </p:spPr>
+      </p:pic>
+      <p:pic>
+        <p:nvPicPr>
+          <p:cNvPr id="11" name="그래픽 10" descr="배지 체크 표시1 단색으로 채워진">
+            <a:extLst>
+              <a:ext uri="{FF2B5EF4-FFF2-40B4-BE49-F238E27FC236}">
+                <a16:creationId xmlns:a16="http://schemas.microsoft.com/office/drawing/2014/main" id="{A947F3EC-2625-478C-B579-ED36809D1737}"/>
+              </a:ext>
+            </a:extLst>
+          </p:cNvPr>
+          <p:cNvPicPr>
+            <a:picLocks noChangeAspect="1"/>
+          </p:cNvPicPr>
+          <p:nvPr/>
+        </p:nvPicPr>
+        <p:blipFill>
+          <a:blip r:embed="rId3">
+            <a:extLst>
+              <a:ext uri="{28A0092B-C50C-407E-A947-70E740481C1C}">
+                <a14:useLocalDpi xmlns:a14="http://schemas.microsoft.com/office/drawing/2010/main" val="0"/>
+              </a:ext>
+              <a:ext uri="{96DAC541-7B7A-43D3-8B79-37D633B846F1}">
+                <asvg:svgBlip xmlns:asvg="http://schemas.microsoft.com/office/drawing/2016/SVG/main" r:embed="rId4"/>
+              </a:ext>
+            </a:extLst>
+          </a:blip>
+          <a:stretch>
+            <a:fillRect/>
+          </a:stretch>
+        </p:blipFill>
+        <p:spPr>
+          <a:xfrm>
+            <a:off x="5508104" y="3284984"/>
+            <a:ext cx="630805" cy="630805"/>
+          </a:xfrm>
+          <a:prstGeom prst="rect">
+            <a:avLst/>
+          </a:prstGeom>
+        </p:spPr>
+      </p:pic>
     </p:spTree>
     <p:extLst>
       <p:ext uri="{BB962C8B-B14F-4D97-AF65-F5344CB8AC3E}">
@@ -10169,6 +10343,174 @@
   <p:clrMapOvr>
     <a:masterClrMapping/>
   </p:clrMapOvr>
+  <p:timing>
+    <p:tnLst>
+      <p:par>
+        <p:cTn id="1" dur="indefinite" restart="never" nodeType="tmRoot">
+          <p:childTnLst>
+            <p:seq concurrent="1" nextAc="seek">
+              <p:cTn id="2" dur="indefinite" nodeType="mainSeq">
+                <p:childTnLst>
+                  <p:par>
+                    <p:cTn id="3" fill="hold">
+                      <p:stCondLst>
+                        <p:cond delay="indefinite"/>
+                      </p:stCondLst>
+                      <p:childTnLst>
+                        <p:par>
+                          <p:cTn id="4" fill="hold">
+                            <p:stCondLst>
+                              <p:cond delay="0"/>
+                            </p:stCondLst>
+                            <p:childTnLst>
+                              <p:par>
+                                <p:cTn id="5" presetID="1" presetClass="entr" presetSubtype="0" fill="hold" grpId="0" nodeType="clickEffect">
+                                  <p:stCondLst>
+                                    <p:cond delay="0"/>
+                                  </p:stCondLst>
+                                  <p:childTnLst>
+                                    <p:set>
+                                      <p:cBhvr>
+                                        <p:cTn id="6" dur="1" fill="hold">
+                                          <p:stCondLst>
+                                            <p:cond delay="0"/>
+                                          </p:stCondLst>
+                                        </p:cTn>
+                                        <p:tgtEl>
+                                          <p:spTgt spid="8"/>
+                                        </p:tgtEl>
+                                        <p:attrNameLst>
+                                          <p:attrName>style.visibility</p:attrName>
+                                        </p:attrNameLst>
+                                      </p:cBhvr>
+                                      <p:to>
+                                        <p:strVal val="visible"/>
+                                      </p:to>
+                                    </p:set>
+                                  </p:childTnLst>
+                                </p:cTn>
+                              </p:par>
+                            </p:childTnLst>
+                          </p:cTn>
+                        </p:par>
+                      </p:childTnLst>
+                    </p:cTn>
+                  </p:par>
+                  <p:par>
+                    <p:cTn id="7" fill="hold">
+                      <p:stCondLst>
+                        <p:cond delay="indefinite"/>
+                      </p:stCondLst>
+                      <p:childTnLst>
+                        <p:par>
+                          <p:cTn id="8" fill="hold">
+                            <p:stCondLst>
+                              <p:cond delay="0"/>
+                            </p:stCondLst>
+                            <p:childTnLst>
+                              <p:par>
+                                <p:cTn id="9" presetID="1" presetClass="entr" presetSubtype="0" fill="hold" nodeType="clickEffect">
+                                  <p:stCondLst>
+                                    <p:cond delay="0"/>
+                                  </p:stCondLst>
+                                  <p:childTnLst>
+                                    <p:set>
+                                      <p:cBhvr>
+                                        <p:cTn id="10" dur="1" fill="hold">
+                                          <p:stCondLst>
+                                            <p:cond delay="0"/>
+                                          </p:stCondLst>
+                                        </p:cTn>
+                                        <p:tgtEl>
+                                          <p:spTgt spid="9"/>
+                                        </p:tgtEl>
+                                        <p:attrNameLst>
+                                          <p:attrName>style.visibility</p:attrName>
+                                        </p:attrNameLst>
+                                      </p:cBhvr>
+                                      <p:to>
+                                        <p:strVal val="visible"/>
+                                      </p:to>
+                                    </p:set>
+                                  </p:childTnLst>
+                                </p:cTn>
+                              </p:par>
+                            </p:childTnLst>
+                          </p:cTn>
+                        </p:par>
+                      </p:childTnLst>
+                    </p:cTn>
+                  </p:par>
+                  <p:par>
+                    <p:cTn id="11" fill="hold">
+                      <p:stCondLst>
+                        <p:cond delay="indefinite"/>
+                      </p:stCondLst>
+                      <p:childTnLst>
+                        <p:par>
+                          <p:cTn id="12" fill="hold">
+                            <p:stCondLst>
+                              <p:cond delay="0"/>
+                            </p:stCondLst>
+                            <p:childTnLst>
+                              <p:par>
+                                <p:cTn id="13" presetID="1" presetClass="entr" presetSubtype="0" fill="hold" nodeType="clickEffect">
+                                  <p:stCondLst>
+                                    <p:cond delay="0"/>
+                                  </p:stCondLst>
+                                  <p:childTnLst>
+                                    <p:set>
+                                      <p:cBhvr>
+                                        <p:cTn id="14" dur="1" fill="hold">
+                                          <p:stCondLst>
+                                            <p:cond delay="0"/>
+                                          </p:stCondLst>
+                                        </p:cTn>
+                                        <p:tgtEl>
+                                          <p:spTgt spid="11"/>
+                                        </p:tgtEl>
+                                        <p:attrNameLst>
+                                          <p:attrName>style.visibility</p:attrName>
+                                        </p:attrNameLst>
+                                      </p:cBhvr>
+                                      <p:to>
+                                        <p:strVal val="visible"/>
+                                      </p:to>
+                                    </p:set>
+                                  </p:childTnLst>
+                                </p:cTn>
+                              </p:par>
+                            </p:childTnLst>
+                          </p:cTn>
+                        </p:par>
+                      </p:childTnLst>
+                    </p:cTn>
+                  </p:par>
+                </p:childTnLst>
+              </p:cTn>
+              <p:prevCondLst>
+                <p:cond evt="onPrev" delay="0">
+                  <p:tgtEl>
+                    <p:sldTgt/>
+                  </p:tgtEl>
+                </p:cond>
+              </p:prevCondLst>
+              <p:nextCondLst>
+                <p:cond evt="onNext" delay="0">
+                  <p:tgtEl>
+                    <p:sldTgt/>
+                  </p:tgtEl>
+                </p:cond>
+              </p:nextCondLst>
+            </p:seq>
+          </p:childTnLst>
+        </p:cTn>
+      </p:par>
+    </p:tnLst>
+    <p:bldLst>
+      <p:bldP spid="8" grpId="0"/>
+    </p:bldLst>
+  </p:timing>
 </p:sld>
 </file>
 
@@ -10191,22 +10533,121 @@
       </p:grpSpPr>
       <p:sp>
         <p:nvSpPr>
-          <p:cNvPr id="9" name="Rectangle 150">
+          <p:cNvPr id="5122" name="Rectangle 2">
             <a:extLst>
               <a:ext uri="{FF2B5EF4-FFF2-40B4-BE49-F238E27FC236}">
-                <a16:creationId xmlns:a16="http://schemas.microsoft.com/office/drawing/2014/main" id="{B6D2B44A-A8AF-419F-A2C5-7317925249E9}"/>
+                <a16:creationId xmlns:a16="http://schemas.microsoft.com/office/drawing/2014/main" id="{5A5441BC-21C9-4C4E-8617-73A39EC832C7}"/>
               </a:ext>
             </a:extLst>
           </p:cNvPr>
-          <p:cNvSpPr txBox="1">
+          <p:cNvSpPr>
+            <a:spLocks noGrp="1" noChangeArrowheads="1"/>
+          </p:cNvSpPr>
+          <p:nvPr>
+            <p:ph type="title"/>
+          </p:nvPr>
+        </p:nvSpPr>
+        <p:spPr>
+          <a:xfrm>
+            <a:off x="457200" y="188913"/>
+            <a:ext cx="8229600" cy="1295400"/>
+          </a:xfrm>
+        </p:spPr>
+        <p:txBody>
+          <a:bodyPr/>
+          <a:lstStyle/>
+          <a:p>
+            <a:pPr algn="l" eaLnBrk="1" hangingPunct="1">
+              <a:defRPr/>
+            </a:pPr>
+            <a:r>
+              <a:rPr lang="en-US" altLang="ko-KR" sz="3200">
+                <a:solidFill>
+                  <a:schemeClr val="tx1"/>
+                </a:solidFill>
+              </a:rPr>
+              <a:t>Node.js</a:t>
+            </a:r>
+            <a:r>
+              <a:rPr lang="ko-KR" altLang="en-US" sz="3200">
+                <a:solidFill>
+                  <a:schemeClr val="tx1"/>
+                </a:solidFill>
+              </a:rPr>
+              <a:t>와 협력적 멀티태스킹</a:t>
+            </a:r>
+            <a:endParaRPr lang="ko-KR" altLang="ko-KR" sz="2000">
+              <a:solidFill>
+                <a:schemeClr val="tx1"/>
+              </a:solidFill>
+            </a:endParaRPr>
+          </a:p>
+        </p:txBody>
+      </p:sp>
+      <p:cxnSp>
+        <p:nvCxnSpPr>
+          <p:cNvPr id="3" name="직선 연결선 2">
+            <a:extLst>
+              <a:ext uri="{FF2B5EF4-FFF2-40B4-BE49-F238E27FC236}">
+                <a16:creationId xmlns:a16="http://schemas.microsoft.com/office/drawing/2014/main" id="{00016A16-78F9-4CDB-B5A3-E7D1D56285D2}"/>
+              </a:ext>
+            </a:extLst>
+          </p:cNvPr>
+          <p:cNvCxnSpPr/>
+          <p:nvPr/>
+        </p:nvCxnSpPr>
+        <p:spPr bwMode="auto">
+          <a:xfrm>
+            <a:off x="575556" y="1268760"/>
+            <a:ext cx="7992888" cy="0"/>
+          </a:xfrm>
+          <a:prstGeom prst="line">
+            <a:avLst/>
+          </a:prstGeom>
+          <a:solidFill>
+            <a:schemeClr val="accent1"/>
+          </a:solidFill>
+          <a:ln w="25400" cap="flat" cmpd="sng" algn="ctr">
+            <a:solidFill>
+              <a:schemeClr val="tx1"/>
+            </a:solidFill>
+            <a:prstDash val="solid"/>
+            <a:round/>
+            <a:headEnd type="none" w="med" len="med"/>
+            <a:tailEnd type="none" w="med" len="med"/>
+          </a:ln>
+          <a:effectLst/>
+          <a:extLst>
+            <a:ext uri="{AF507438-7753-43E0-B8FC-AC1667EBCBE1}">
+              <a14:hiddenEffects xmlns:a14="http://schemas.microsoft.com/office/drawing/2010/main">
+                <a:effectLst>
+                  <a:outerShdw dist="35921" dir="2700000" algn="ctr" rotWithShape="0">
+                    <a:schemeClr val="bg2"/>
+                  </a:outerShdw>
+                </a:effectLst>
+              </a14:hiddenEffects>
+            </a:ext>
+          </a:extLst>
+        </p:spPr>
+      </p:cxnSp>
+      <p:sp>
+        <p:nvSpPr>
+          <p:cNvPr id="6" name="Rectangle 1">
+            <a:extLst>
+              <a:ext uri="{FF2B5EF4-FFF2-40B4-BE49-F238E27FC236}">
+                <a16:creationId xmlns:a16="http://schemas.microsoft.com/office/drawing/2014/main" id="{5B2A067E-9197-460E-9A1C-B36B6B1654ED}"/>
+              </a:ext>
+            </a:extLst>
+          </p:cNvPr>
+          <p:cNvSpPr>
             <a:spLocks noChangeArrowheads="1"/>
           </p:cNvSpPr>
           <p:nvPr/>
         </p:nvSpPr>
         <p:spPr bwMode="auto">
           <a:xfrm>
-            <a:off x="2159793" y="2781300"/>
-            <a:ext cx="4824413" cy="647700"/>
+            <a:off x="457200" y="1780741"/>
+            <a:ext cx="9144000" cy="0"/>
           </a:xfrm>
           <a:prstGeom prst="rect">
             <a:avLst/>
@@ -10246,170 +10687,1257 @@
           </a:extLst>
         </p:spPr>
         <p:txBody>
-          <a:bodyPr vert="horz" wrap="square" lIns="91440" tIns="45720" rIns="91440" bIns="45720" numCol="1" anchor="ctr" anchorCtr="0" compatLnSpc="1">
+          <a:bodyPr vert="horz" wrap="none" lIns="91440" tIns="45720" rIns="91440" bIns="45720" numCol="1" anchor="ctr" anchorCtr="0" compatLnSpc="1">
             <a:prstTxWarp prst="textNoShape">
               <a:avLst/>
             </a:prstTxWarp>
+            <a:spAutoFit/>
           </a:bodyPr>
-          <a:lstStyle>
-            <a:lvl1pPr algn="ctr" rtl="0" eaLnBrk="0" fontAlgn="base" hangingPunct="0">
+          <a:lstStyle/>
+          <a:p>
+            <a:pPr marL="0" marR="0" lvl="0" indent="0" algn="l" defTabSz="914400" rtl="0" eaLnBrk="0" fontAlgn="base" latinLnBrk="0" hangingPunct="0">
+              <a:lnSpc>
+                <a:spcPct val="100000"/>
+              </a:lnSpc>
               <a:spcBef>
                 <a:spcPct val="0"/>
               </a:spcBef>
               <a:spcAft>
                 <a:spcPct val="0"/>
               </a:spcAft>
-              <a:defRPr sz="4400" kern="1200">
-                <a:solidFill>
-                  <a:schemeClr val="tx2"/>
-                </a:solidFill>
-                <a:latin typeface="맑은 고딕" panose="020B0503020000020004" pitchFamily="50" charset="-127"/>
-                <a:ea typeface="맑은 고딕" panose="020B0503020000020004" pitchFamily="50" charset="-127"/>
-                <a:cs typeface="+mj-cs"/>
+              <a:buClrTx/>
+              <a:buSzTx/>
+              <a:buFontTx/>
+              <a:buNone/>
+              <a:tabLst/>
+            </a:pPr>
+            <a:br>
+              <a:rPr kumimoji="0" lang="ko-KR" altLang="ko-KR" sz="1800" b="0" i="0" u="none" strike="noStrike" cap="none" normalizeH="0" baseline="0">
+                <a:ln>
+                  <a:noFill/>
+                </a:ln>
+                <a:solidFill>
+                  <a:schemeClr val="tx1"/>
+                </a:solidFill>
+                <a:effectLst/>
+                <a:latin typeface="Arial" panose="020B0604020202020204" pitchFamily="34" charset="0"/>
+              </a:rPr>
+            </a:br>
+            <a:endParaRPr kumimoji="0" lang="ko-KR" altLang="ko-KR" sz="1800" b="0" i="0" u="none" strike="noStrike" cap="none" normalizeH="0" baseline="0">
+              <a:ln>
+                <a:noFill/>
+              </a:ln>
+              <a:solidFill>
+                <a:schemeClr val="tx1"/>
+              </a:solidFill>
+              <a:effectLst/>
+              <a:latin typeface="Arial" panose="020B0604020202020204" pitchFamily="34" charset="0"/>
+            </a:endParaRPr>
+          </a:p>
+        </p:txBody>
+      </p:sp>
+      <p:sp>
+        <p:nvSpPr>
+          <p:cNvPr id="7" name="TextBox 6">
+            <a:extLst>
+              <a:ext uri="{FF2B5EF4-FFF2-40B4-BE49-F238E27FC236}">
+                <a16:creationId xmlns:a16="http://schemas.microsoft.com/office/drawing/2014/main" id="{1108C41A-3798-4D8A-B552-9BBFF5DDBD18}"/>
+              </a:ext>
+            </a:extLst>
+          </p:cNvPr>
+          <p:cNvSpPr txBox="1">
+            <a:spLocks noChangeArrowheads="1"/>
+          </p:cNvSpPr>
+          <p:nvPr/>
+        </p:nvSpPr>
+        <p:spPr bwMode="auto">
+          <a:xfrm>
+            <a:off x="591246" y="5162724"/>
+            <a:ext cx="7909978" cy="738664"/>
+          </a:xfrm>
+          <a:prstGeom prst="rect">
+            <a:avLst/>
+          </a:prstGeom>
+          <a:noFill/>
+          <a:ln>
+            <a:noFill/>
+          </a:ln>
+          <a:extLst>
+            <a:ext uri="{909E8E84-426E-40DD-AFC4-6F175D3DCCD1}">
+              <a14:hiddenFill xmlns:a14="http://schemas.microsoft.com/office/drawing/2010/main">
+                <a:solidFill>
+                  <a:srgbClr val="FFFFFF"/>
+                </a:solidFill>
+              </a14:hiddenFill>
+            </a:ext>
+            <a:ext uri="{91240B29-F687-4F45-9708-019B960494DF}">
+              <a14:hiddenLine xmlns:a14="http://schemas.microsoft.com/office/drawing/2010/main" w="9525">
+                <a:solidFill>
+                  <a:srgbClr val="000000"/>
+                </a:solidFill>
+                <a:miter lim="800000"/>
+                <a:headEnd/>
+                <a:tailEnd/>
+              </a14:hiddenLine>
+            </a:ext>
+          </a:extLst>
+        </p:spPr>
+        <p:txBody>
+          <a:bodyPr wrap="square">
+            <a:spAutoFit/>
+          </a:bodyPr>
+          <a:lstStyle>
+            <a:lvl1pPr>
+              <a:spcBef>
+                <a:spcPct val="20000"/>
+              </a:spcBef>
+              <a:buChar char="•"/>
+              <a:defRPr sz="3200">
+                <a:solidFill>
+                  <a:schemeClr val="tx1"/>
+                </a:solidFill>
+                <a:latin typeface="Arial" panose="020B0604020202020204" pitchFamily="34" charset="0"/>
+                <a:ea typeface="Arial Unicode MS" panose="020B0604020202020204" pitchFamily="50" charset="-127"/>
+                <a:cs typeface="Arial" panose="020B0604020202020204" pitchFamily="34" charset="0"/>
               </a:defRPr>
             </a:lvl1pPr>
-            <a:lvl2pPr algn="ctr" rtl="0" eaLnBrk="0" fontAlgn="base" hangingPunct="0">
-              <a:spcBef>
-                <a:spcPct val="0"/>
+            <a:lvl2pPr marL="742950" indent="-285750">
+              <a:spcBef>
+                <a:spcPct val="20000"/>
+              </a:spcBef>
+              <a:buChar char="–"/>
+              <a:defRPr sz="2800">
+                <a:solidFill>
+                  <a:schemeClr val="tx1"/>
+                </a:solidFill>
+                <a:latin typeface="Arial" panose="020B0604020202020204" pitchFamily="34" charset="0"/>
+                <a:ea typeface="Arial Unicode MS" panose="020B0604020202020204" pitchFamily="50" charset="-127"/>
+                <a:cs typeface="Arial" panose="020B0604020202020204" pitchFamily="34" charset="0"/>
+              </a:defRPr>
+            </a:lvl2pPr>
+            <a:lvl3pPr marL="1143000" indent="-228600">
+              <a:spcBef>
+                <a:spcPct val="20000"/>
+              </a:spcBef>
+              <a:buChar char="•"/>
+              <a:defRPr sz="2400">
+                <a:solidFill>
+                  <a:schemeClr val="tx1"/>
+                </a:solidFill>
+                <a:latin typeface="Arial" panose="020B0604020202020204" pitchFamily="34" charset="0"/>
+                <a:ea typeface="Arial Unicode MS" panose="020B0604020202020204" pitchFamily="50" charset="-127"/>
+                <a:cs typeface="Arial" panose="020B0604020202020204" pitchFamily="34" charset="0"/>
+              </a:defRPr>
+            </a:lvl3pPr>
+            <a:lvl4pPr marL="1600200" indent="-228600">
+              <a:spcBef>
+                <a:spcPct val="20000"/>
+              </a:spcBef>
+              <a:buChar char="–"/>
+              <a:defRPr sz="2000">
+                <a:solidFill>
+                  <a:schemeClr val="tx1"/>
+                </a:solidFill>
+                <a:latin typeface="Arial" panose="020B0604020202020204" pitchFamily="34" charset="0"/>
+                <a:ea typeface="Arial Unicode MS" panose="020B0604020202020204" pitchFamily="50" charset="-127"/>
+                <a:cs typeface="Arial" panose="020B0604020202020204" pitchFamily="34" charset="0"/>
+              </a:defRPr>
+            </a:lvl4pPr>
+            <a:lvl5pPr marL="2057400" indent="-228600">
+              <a:spcBef>
+                <a:spcPct val="20000"/>
+              </a:spcBef>
+              <a:buChar char="»"/>
+              <a:defRPr sz="2000">
+                <a:solidFill>
+                  <a:schemeClr val="tx1"/>
+                </a:solidFill>
+                <a:latin typeface="Arial" panose="020B0604020202020204" pitchFamily="34" charset="0"/>
+                <a:ea typeface="Arial Unicode MS" panose="020B0604020202020204" pitchFamily="50" charset="-127"/>
+                <a:cs typeface="Arial" panose="020B0604020202020204" pitchFamily="34" charset="0"/>
+              </a:defRPr>
+            </a:lvl5pPr>
+            <a:lvl6pPr marL="2514600" indent="-228600" eaLnBrk="0" fontAlgn="base" hangingPunct="0">
+              <a:spcBef>
+                <a:spcPct val="20000"/>
               </a:spcBef>
               <a:spcAft>
                 <a:spcPct val="0"/>
               </a:spcAft>
-              <a:defRPr sz="4400">
-                <a:solidFill>
-                  <a:schemeClr val="tx2"/>
-                </a:solidFill>
-                <a:latin typeface="Arial" panose="020B0604020202020204" pitchFamily="34" charset="0"/>
-                <a:ea typeface="Arial Unicode MS" panose="020B0604020202020204" pitchFamily="50" charset="-127"/>
-                <a:cs typeface="Arial" panose="020B0604020202020204" pitchFamily="34" charset="0"/>
-              </a:defRPr>
-            </a:lvl2pPr>
-            <a:lvl3pPr algn="ctr" rtl="0" eaLnBrk="0" fontAlgn="base" hangingPunct="0">
-              <a:spcBef>
-                <a:spcPct val="0"/>
+              <a:buChar char="»"/>
+              <a:defRPr sz="2000">
+                <a:solidFill>
+                  <a:schemeClr val="tx1"/>
+                </a:solidFill>
+                <a:latin typeface="Arial" panose="020B0604020202020204" pitchFamily="34" charset="0"/>
+                <a:ea typeface="Arial Unicode MS" panose="020B0604020202020204" pitchFamily="50" charset="-127"/>
+                <a:cs typeface="Arial" panose="020B0604020202020204" pitchFamily="34" charset="0"/>
+              </a:defRPr>
+            </a:lvl6pPr>
+            <a:lvl7pPr marL="2971800" indent="-228600" eaLnBrk="0" fontAlgn="base" hangingPunct="0">
+              <a:spcBef>
+                <a:spcPct val="20000"/>
               </a:spcBef>
               <a:spcAft>
                 <a:spcPct val="0"/>
               </a:spcAft>
-              <a:defRPr sz="4400">
-                <a:solidFill>
-                  <a:schemeClr val="tx2"/>
-                </a:solidFill>
-                <a:latin typeface="Arial" panose="020B0604020202020204" pitchFamily="34" charset="0"/>
-                <a:ea typeface="Arial Unicode MS" panose="020B0604020202020204" pitchFamily="50" charset="-127"/>
-                <a:cs typeface="Arial" panose="020B0604020202020204" pitchFamily="34" charset="0"/>
-              </a:defRPr>
-            </a:lvl3pPr>
-            <a:lvl4pPr algn="ctr" rtl="0" eaLnBrk="0" fontAlgn="base" hangingPunct="0">
-              <a:spcBef>
-                <a:spcPct val="0"/>
+              <a:buChar char="»"/>
+              <a:defRPr sz="2000">
+                <a:solidFill>
+                  <a:schemeClr val="tx1"/>
+                </a:solidFill>
+                <a:latin typeface="Arial" panose="020B0604020202020204" pitchFamily="34" charset="0"/>
+                <a:ea typeface="Arial Unicode MS" panose="020B0604020202020204" pitchFamily="50" charset="-127"/>
+                <a:cs typeface="Arial" panose="020B0604020202020204" pitchFamily="34" charset="0"/>
+              </a:defRPr>
+            </a:lvl7pPr>
+            <a:lvl8pPr marL="3429000" indent="-228600" eaLnBrk="0" fontAlgn="base" hangingPunct="0">
+              <a:spcBef>
+                <a:spcPct val="20000"/>
               </a:spcBef>
               <a:spcAft>
                 <a:spcPct val="0"/>
               </a:spcAft>
-              <a:defRPr sz="4400">
-                <a:solidFill>
-                  <a:schemeClr val="tx2"/>
-                </a:solidFill>
-                <a:latin typeface="Arial" panose="020B0604020202020204" pitchFamily="34" charset="0"/>
-                <a:ea typeface="Arial Unicode MS" panose="020B0604020202020204" pitchFamily="50" charset="-127"/>
-                <a:cs typeface="Arial" panose="020B0604020202020204" pitchFamily="34" charset="0"/>
-              </a:defRPr>
-            </a:lvl4pPr>
-            <a:lvl5pPr algn="ctr" rtl="0" eaLnBrk="0" fontAlgn="base" hangingPunct="0">
-              <a:spcBef>
-                <a:spcPct val="0"/>
+              <a:buChar char="»"/>
+              <a:defRPr sz="2000">
+                <a:solidFill>
+                  <a:schemeClr val="tx1"/>
+                </a:solidFill>
+                <a:latin typeface="Arial" panose="020B0604020202020204" pitchFamily="34" charset="0"/>
+                <a:ea typeface="Arial Unicode MS" panose="020B0604020202020204" pitchFamily="50" charset="-127"/>
+                <a:cs typeface="Arial" panose="020B0604020202020204" pitchFamily="34" charset="0"/>
+              </a:defRPr>
+            </a:lvl8pPr>
+            <a:lvl9pPr marL="3886200" indent="-228600" eaLnBrk="0" fontAlgn="base" hangingPunct="0">
+              <a:spcBef>
+                <a:spcPct val="20000"/>
               </a:spcBef>
               <a:spcAft>
                 <a:spcPct val="0"/>
               </a:spcAft>
-              <a:defRPr sz="4400">
-                <a:solidFill>
-                  <a:schemeClr val="tx2"/>
-                </a:solidFill>
-                <a:latin typeface="Arial" panose="020B0604020202020204" pitchFamily="34" charset="0"/>
-                <a:ea typeface="Arial Unicode MS" panose="020B0604020202020204" pitchFamily="50" charset="-127"/>
-                <a:cs typeface="Arial" panose="020B0604020202020204" pitchFamily="34" charset="0"/>
-              </a:defRPr>
-            </a:lvl5pPr>
-            <a:lvl6pPr marL="457200" algn="ctr" rtl="0" fontAlgn="base">
+              <a:buChar char="»"/>
+              <a:defRPr sz="2000">
+                <a:solidFill>
+                  <a:schemeClr val="tx1"/>
+                </a:solidFill>
+                <a:latin typeface="Arial" panose="020B0604020202020204" pitchFamily="34" charset="0"/>
+                <a:ea typeface="Arial Unicode MS" panose="020B0604020202020204" pitchFamily="50" charset="-127"/>
+                <a:cs typeface="Arial" panose="020B0604020202020204" pitchFamily="34" charset="0"/>
+              </a:defRPr>
+            </a:lvl9pPr>
+          </a:lstStyle>
+          <a:p>
+            <a:pPr>
+              <a:buNone/>
+            </a:pPr>
+            <a:r>
+              <a:rPr lang="en-US" altLang="ko-KR" sz="1400" b="1">
+                <a:solidFill>
+                  <a:srgbClr val="24292F"/>
+                </a:solidFill>
+                <a:latin typeface="맑은 고딕" panose="020B0503020000020004" pitchFamily="50" charset="-127"/>
+                <a:ea typeface="맑은 고딕" panose="020B0503020000020004" pitchFamily="50" charset="-127"/>
+              </a:rPr>
+              <a:t>1. nextTick Queue</a:t>
+            </a:r>
+            <a:r>
+              <a:rPr lang="ko-KR" altLang="en-US" sz="1400" b="1">
+                <a:solidFill>
+                  <a:srgbClr val="24292F"/>
+                </a:solidFill>
+                <a:latin typeface="맑은 고딕" panose="020B0503020000020004" pitchFamily="50" charset="-127"/>
+                <a:ea typeface="맑은 고딕" panose="020B0503020000020004" pitchFamily="50" charset="-127"/>
+              </a:rPr>
+              <a:t>와 </a:t>
+            </a:r>
+            <a:r>
+              <a:rPr lang="en-US" altLang="ko-KR" sz="1400" b="1">
+                <a:solidFill>
+                  <a:srgbClr val="24292F"/>
+                </a:solidFill>
+                <a:latin typeface="맑은 고딕" panose="020B0503020000020004" pitchFamily="50" charset="-127"/>
+                <a:ea typeface="맑은 고딕" panose="020B0503020000020004" pitchFamily="50" charset="-127"/>
+              </a:rPr>
+              <a:t>microtask Queue</a:t>
+            </a:r>
+            <a:r>
+              <a:rPr lang="ko-KR" altLang="en-US" sz="1400" b="1">
+                <a:solidFill>
+                  <a:srgbClr val="24292F"/>
+                </a:solidFill>
+                <a:latin typeface="맑은 고딕" panose="020B0503020000020004" pitchFamily="50" charset="-127"/>
+                <a:ea typeface="맑은 고딕" panose="020B0503020000020004" pitchFamily="50" charset="-127"/>
+              </a:rPr>
+              <a:t>의 나머지 페이즈보다 우선 순위 처리</a:t>
+            </a:r>
+            <a:br>
+              <a:rPr lang="en-US" altLang="ko-KR" sz="1400" b="0" i="0">
+                <a:solidFill>
+                  <a:srgbClr val="24292F"/>
+                </a:solidFill>
+                <a:effectLst/>
+                <a:latin typeface="맑은 고딕" panose="020B0503020000020004" pitchFamily="50" charset="-127"/>
+                <a:ea typeface="맑은 고딕" panose="020B0503020000020004" pitchFamily="50" charset="-127"/>
+              </a:rPr>
+            </a:br>
+            <a:br>
+              <a:rPr lang="en-US" altLang="ko-KR" sz="1400" b="0" i="0">
+                <a:solidFill>
+                  <a:srgbClr val="24292F"/>
+                </a:solidFill>
+                <a:effectLst/>
+                <a:latin typeface="맑은 고딕" panose="020B0503020000020004" pitchFamily="50" charset="-127"/>
+                <a:ea typeface="맑은 고딕" panose="020B0503020000020004" pitchFamily="50" charset="-127"/>
+              </a:rPr>
+            </a:br>
+            <a:r>
+              <a:rPr lang="en-US" altLang="ko-KR" sz="1400" b="0" i="0">
+                <a:solidFill>
+                  <a:srgbClr val="24292F"/>
+                </a:solidFill>
+                <a:effectLst/>
+                <a:latin typeface="맑은 고딕" panose="020B0503020000020004" pitchFamily="50" charset="-127"/>
+                <a:ea typeface="맑은 고딕" panose="020B0503020000020004" pitchFamily="50" charset="-127"/>
+              </a:rPr>
+              <a:t>   </a:t>
+            </a:r>
+            <a:r>
+              <a:rPr lang="ko-KR" altLang="en-US" sz="1400" b="0" i="0">
+                <a:solidFill>
+                  <a:srgbClr val="24292F"/>
+                </a:solidFill>
+                <a:effectLst/>
+                <a:latin typeface="맑은 고딕" panose="020B0503020000020004" pitchFamily="50" charset="-127"/>
+                <a:ea typeface="맑은 고딕" panose="020B0503020000020004" pitchFamily="50" charset="-127"/>
+              </a:rPr>
+              <a:t>이들은 </a:t>
+            </a:r>
+            <a:r>
+              <a:rPr lang="ko-KR" altLang="en-US" sz="1400" b="1">
+                <a:solidFill>
+                  <a:srgbClr val="24292F"/>
+                </a:solidFill>
+                <a:latin typeface="맑은 고딕" panose="020B0503020000020004" pitchFamily="50" charset="-127"/>
+                <a:ea typeface="맑은 고딕" panose="020B0503020000020004" pitchFamily="50" charset="-127"/>
+              </a:rPr>
+              <a:t>시스템의 실행 한도의 영향을 받지 않고</a:t>
+            </a:r>
+            <a:r>
+              <a:rPr lang="en-US" altLang="ko-KR" sz="1400">
+                <a:solidFill>
+                  <a:srgbClr val="24292F"/>
+                </a:solidFill>
+                <a:latin typeface="맑은 고딕" panose="020B0503020000020004" pitchFamily="50" charset="-127"/>
+                <a:ea typeface="맑은 고딕" panose="020B0503020000020004" pitchFamily="50" charset="-127"/>
+              </a:rPr>
+              <a:t>, </a:t>
+            </a:r>
+            <a:r>
+              <a:rPr lang="ko-KR" altLang="en-US" sz="1400">
+                <a:solidFill>
+                  <a:srgbClr val="24292F"/>
+                </a:solidFill>
+                <a:latin typeface="맑은 고딕" panose="020B0503020000020004" pitchFamily="50" charset="-127"/>
+                <a:ea typeface="맑은 고딕" panose="020B0503020000020004" pitchFamily="50" charset="-127"/>
+              </a:rPr>
+              <a:t>페이즈마다 큐를 모두 비워야한다</a:t>
+            </a:r>
+            <a:r>
+              <a:rPr lang="en-US" altLang="ko-KR" sz="1400">
+                <a:solidFill>
+                  <a:srgbClr val="24292F"/>
+                </a:solidFill>
+                <a:latin typeface="맑은 고딕" panose="020B0503020000020004" pitchFamily="50" charset="-127"/>
+                <a:ea typeface="맑은 고딕" panose="020B0503020000020004" pitchFamily="50" charset="-127"/>
+              </a:rPr>
+              <a:t>.</a:t>
+            </a:r>
+            <a:endParaRPr lang="en-US" altLang="ko-KR" sz="1400" b="0" i="0">
+              <a:solidFill>
+                <a:srgbClr val="24292F"/>
+              </a:solidFill>
+              <a:effectLst/>
+              <a:latin typeface="맑은 고딕" panose="020B0503020000020004" pitchFamily="50" charset="-127"/>
+              <a:ea typeface="맑은 고딕" panose="020B0503020000020004" pitchFamily="50" charset="-127"/>
+            </a:endParaRPr>
+          </a:p>
+        </p:txBody>
+      </p:sp>
+      <p:pic>
+        <p:nvPicPr>
+          <p:cNvPr id="12" name="그림 11">
+            <a:extLst>
+              <a:ext uri="{FF2B5EF4-FFF2-40B4-BE49-F238E27FC236}">
+                <a16:creationId xmlns:a16="http://schemas.microsoft.com/office/drawing/2014/main" id="{87666EE9-8B10-4C35-8256-A4264D8A4CD6}"/>
+              </a:ext>
+            </a:extLst>
+          </p:cNvPr>
+          <p:cNvPicPr>
+            <a:picLocks noChangeAspect="1"/>
+          </p:cNvPicPr>
+          <p:nvPr/>
+        </p:nvPicPr>
+        <p:blipFill>
+          <a:blip r:embed="rId2"/>
+          <a:stretch>
+            <a:fillRect/>
+          </a:stretch>
+        </p:blipFill>
+        <p:spPr>
+          <a:xfrm>
+            <a:off x="0" y="1412776"/>
+            <a:ext cx="9144000" cy="3431246"/>
+          </a:xfrm>
+          <a:prstGeom prst="rect">
+            <a:avLst/>
+          </a:prstGeom>
+        </p:spPr>
+      </p:pic>
+      <p:pic>
+        <p:nvPicPr>
+          <p:cNvPr id="13" name="그래픽 12" descr="배지 체크 표시1 단색으로 채워진">
+            <a:extLst>
+              <a:ext uri="{FF2B5EF4-FFF2-40B4-BE49-F238E27FC236}">
+                <a16:creationId xmlns:a16="http://schemas.microsoft.com/office/drawing/2014/main" id="{39D106BA-F82A-491B-A074-CE89BDDEFA2E}"/>
+              </a:ext>
+            </a:extLst>
+          </p:cNvPr>
+          <p:cNvPicPr>
+            <a:picLocks noChangeAspect="1"/>
+          </p:cNvPicPr>
+          <p:nvPr/>
+        </p:nvPicPr>
+        <p:blipFill>
+          <a:blip r:embed="rId3">
+            <a:extLst>
+              <a:ext uri="{28A0092B-C50C-407E-A947-70E740481C1C}">
+                <a14:useLocalDpi xmlns:a14="http://schemas.microsoft.com/office/drawing/2010/main" val="0"/>
+              </a:ext>
+              <a:ext uri="{96DAC541-7B7A-43D3-8B79-37D633B846F1}">
+                <asvg:svgBlip xmlns:asvg="http://schemas.microsoft.com/office/drawing/2016/SVG/main" r:embed="rId4"/>
+              </a:ext>
+            </a:extLst>
+          </a:blip>
+          <a:stretch>
+            <a:fillRect/>
+          </a:stretch>
+        </p:blipFill>
+        <p:spPr>
+          <a:xfrm>
+            <a:off x="4230832" y="2708176"/>
+            <a:ext cx="630805" cy="630805"/>
+          </a:xfrm>
+          <a:prstGeom prst="rect">
+            <a:avLst/>
+          </a:prstGeom>
+        </p:spPr>
+      </p:pic>
+      <p:pic>
+        <p:nvPicPr>
+          <p:cNvPr id="14" name="그래픽 13" descr="배지 체크 표시1 단색으로 채워진">
+            <a:extLst>
+              <a:ext uri="{FF2B5EF4-FFF2-40B4-BE49-F238E27FC236}">
+                <a16:creationId xmlns:a16="http://schemas.microsoft.com/office/drawing/2014/main" id="{4B9A9F9F-CD30-4195-B363-EBCA690FE85C}"/>
+              </a:ext>
+            </a:extLst>
+          </p:cNvPr>
+          <p:cNvPicPr>
+            <a:picLocks noChangeAspect="1"/>
+          </p:cNvPicPr>
+          <p:nvPr/>
+        </p:nvPicPr>
+        <p:blipFill>
+          <a:blip r:embed="rId3">
+            <a:extLst>
+              <a:ext uri="{28A0092B-C50C-407E-A947-70E740481C1C}">
+                <a14:useLocalDpi xmlns:a14="http://schemas.microsoft.com/office/drawing/2010/main" val="0"/>
+              </a:ext>
+              <a:ext uri="{96DAC541-7B7A-43D3-8B79-37D633B846F1}">
+                <asvg:svgBlip xmlns:asvg="http://schemas.microsoft.com/office/drawing/2016/SVG/main" r:embed="rId4"/>
+              </a:ext>
+            </a:extLst>
+          </a:blip>
+          <a:stretch>
+            <a:fillRect/>
+          </a:stretch>
+        </p:blipFill>
+        <p:spPr>
+          <a:xfrm>
+            <a:off x="5508104" y="3284984"/>
+            <a:ext cx="630805" cy="630805"/>
+          </a:xfrm>
+          <a:prstGeom prst="rect">
+            <a:avLst/>
+          </a:prstGeom>
+        </p:spPr>
+      </p:pic>
+    </p:spTree>
+    <p:extLst>
+      <p:ext uri="{BB962C8B-B14F-4D97-AF65-F5344CB8AC3E}">
+        <p14:creationId xmlns:p14="http://schemas.microsoft.com/office/powerpoint/2010/main" val="1477286789"/>
+      </p:ext>
+    </p:extLst>
+  </p:cSld>
+  <p:clrMapOvr>
+    <a:masterClrMapping/>
+  </p:clrMapOvr>
+</p:sld>
+</file>
+
+<file path=ppt/slides/slide19.xml><?xml version="1.0" encoding="utf-8"?>
+<p:sld xmlns:a="http://schemas.openxmlformats.org/drawingml/2006/main" xmlns:r="http://schemas.openxmlformats.org/officeDocument/2006/relationships" xmlns:p="http://schemas.openxmlformats.org/presentationml/2006/main">
+  <p:cSld>
+    <p:spTree>
+      <p:nvGrpSpPr>
+        <p:cNvPr id="1" name=""/>
+        <p:cNvGrpSpPr/>
+        <p:nvPr/>
+      </p:nvGrpSpPr>
+      <p:grpSpPr>
+        <a:xfrm>
+          <a:off x="0" y="0"/>
+          <a:ext cx="0" cy="0"/>
+          <a:chOff x="0" y="0"/>
+          <a:chExt cx="0" cy="0"/>
+        </a:xfrm>
+      </p:grpSpPr>
+      <p:sp>
+        <p:nvSpPr>
+          <p:cNvPr id="5122" name="Rectangle 2">
+            <a:extLst>
+              <a:ext uri="{FF2B5EF4-FFF2-40B4-BE49-F238E27FC236}">
+                <a16:creationId xmlns:a16="http://schemas.microsoft.com/office/drawing/2014/main" id="{5A5441BC-21C9-4C4E-8617-73A39EC832C7}"/>
+              </a:ext>
+            </a:extLst>
+          </p:cNvPr>
+          <p:cNvSpPr>
+            <a:spLocks noGrp="1" noChangeArrowheads="1"/>
+          </p:cNvSpPr>
+          <p:nvPr>
+            <p:ph type="title"/>
+          </p:nvPr>
+        </p:nvSpPr>
+        <p:spPr>
+          <a:xfrm>
+            <a:off x="457200" y="188913"/>
+            <a:ext cx="8229600" cy="1295400"/>
+          </a:xfrm>
+        </p:spPr>
+        <p:txBody>
+          <a:bodyPr/>
+          <a:lstStyle/>
+          <a:p>
+            <a:pPr algn="l" eaLnBrk="1" hangingPunct="1">
+              <a:defRPr/>
+            </a:pPr>
+            <a:r>
+              <a:rPr lang="en-US" altLang="ko-KR" sz="3200">
+                <a:solidFill>
+                  <a:schemeClr val="tx1"/>
+                </a:solidFill>
+              </a:rPr>
+              <a:t>Node.js</a:t>
+            </a:r>
+            <a:r>
+              <a:rPr lang="ko-KR" altLang="en-US" sz="3200">
+                <a:solidFill>
+                  <a:schemeClr val="tx1"/>
+                </a:solidFill>
+              </a:rPr>
+              <a:t>와 협력적 멀티태스킹</a:t>
+            </a:r>
+            <a:endParaRPr lang="ko-KR" altLang="ko-KR" sz="2000">
+              <a:solidFill>
+                <a:schemeClr val="tx1"/>
+              </a:solidFill>
+            </a:endParaRPr>
+          </a:p>
+        </p:txBody>
+      </p:sp>
+      <p:cxnSp>
+        <p:nvCxnSpPr>
+          <p:cNvPr id="3" name="직선 연결선 2">
+            <a:extLst>
+              <a:ext uri="{FF2B5EF4-FFF2-40B4-BE49-F238E27FC236}">
+                <a16:creationId xmlns:a16="http://schemas.microsoft.com/office/drawing/2014/main" id="{00016A16-78F9-4CDB-B5A3-E7D1D56285D2}"/>
+              </a:ext>
+            </a:extLst>
+          </p:cNvPr>
+          <p:cNvCxnSpPr/>
+          <p:nvPr/>
+        </p:nvCxnSpPr>
+        <p:spPr bwMode="auto">
+          <a:xfrm>
+            <a:off x="575556" y="1268760"/>
+            <a:ext cx="7992888" cy="0"/>
+          </a:xfrm>
+          <a:prstGeom prst="line">
+            <a:avLst/>
+          </a:prstGeom>
+          <a:solidFill>
+            <a:schemeClr val="accent1"/>
+          </a:solidFill>
+          <a:ln w="25400" cap="flat" cmpd="sng" algn="ctr">
+            <a:solidFill>
+              <a:schemeClr val="tx1"/>
+            </a:solidFill>
+            <a:prstDash val="solid"/>
+            <a:round/>
+            <a:headEnd type="none" w="med" len="med"/>
+            <a:tailEnd type="none" w="med" len="med"/>
+          </a:ln>
+          <a:effectLst/>
+          <a:extLst>
+            <a:ext uri="{AF507438-7753-43E0-B8FC-AC1667EBCBE1}">
+              <a14:hiddenEffects xmlns:a14="http://schemas.microsoft.com/office/drawing/2010/main">
+                <a:effectLst>
+                  <a:outerShdw dist="35921" dir="2700000" algn="ctr" rotWithShape="0">
+                    <a:schemeClr val="bg2"/>
+                  </a:outerShdw>
+                </a:effectLst>
+              </a14:hiddenEffects>
+            </a:ext>
+          </a:extLst>
+        </p:spPr>
+      </p:cxnSp>
+      <p:sp>
+        <p:nvSpPr>
+          <p:cNvPr id="6" name="Rectangle 1">
+            <a:extLst>
+              <a:ext uri="{FF2B5EF4-FFF2-40B4-BE49-F238E27FC236}">
+                <a16:creationId xmlns:a16="http://schemas.microsoft.com/office/drawing/2014/main" id="{5B2A067E-9197-460E-9A1C-B36B6B1654ED}"/>
+              </a:ext>
+            </a:extLst>
+          </p:cNvPr>
+          <p:cNvSpPr>
+            <a:spLocks noChangeArrowheads="1"/>
+          </p:cNvSpPr>
+          <p:nvPr/>
+        </p:nvSpPr>
+        <p:spPr bwMode="auto">
+          <a:xfrm>
+            <a:off x="457200" y="1780741"/>
+            <a:ext cx="9144000" cy="0"/>
+          </a:xfrm>
+          <a:prstGeom prst="rect">
+            <a:avLst/>
+          </a:prstGeom>
+          <a:noFill/>
+          <a:ln>
+            <a:noFill/>
+          </a:ln>
+          <a:effectLst/>
+          <a:extLst>
+            <a:ext uri="{909E8E84-426E-40DD-AFC4-6F175D3DCCD1}">
+              <a14:hiddenFill xmlns:a14="http://schemas.microsoft.com/office/drawing/2010/main">
+                <a:solidFill>
+                  <a:schemeClr val="accent1"/>
+                </a:solidFill>
+              </a14:hiddenFill>
+            </a:ext>
+            <a:ext uri="{91240B29-F687-4F45-9708-019B960494DF}">
+              <a14:hiddenLine xmlns:a14="http://schemas.microsoft.com/office/drawing/2010/main" w="9525">
+                <a:solidFill>
+                  <a:schemeClr val="tx1"/>
+                </a:solidFill>
+                <a:miter lim="800000"/>
+                <a:headEnd/>
+                <a:tailEnd/>
+              </a14:hiddenLine>
+            </a:ext>
+            <a:ext uri="{AF507438-7753-43E0-B8FC-AC1667EBCBE1}">
+              <a14:hiddenEffects xmlns:a14="http://schemas.microsoft.com/office/drawing/2010/main">
+                <a:effectLst>
+                  <a:outerShdw dist="35921" dir="2700000" algn="ctr" rotWithShape="0">
+                    <a:schemeClr val="bg2"/>
+                  </a:outerShdw>
+                </a:effectLst>
+              </a14:hiddenEffects>
+            </a:ext>
+          </a:extLst>
+        </p:spPr>
+        <p:txBody>
+          <a:bodyPr vert="horz" wrap="none" lIns="91440" tIns="45720" rIns="91440" bIns="45720" numCol="1" anchor="ctr" anchorCtr="0" compatLnSpc="1">
+            <a:prstTxWarp prst="textNoShape">
+              <a:avLst/>
+            </a:prstTxWarp>
+            <a:spAutoFit/>
+          </a:bodyPr>
+          <a:lstStyle/>
+          <a:p>
+            <a:pPr marL="0" marR="0" lvl="0" indent="0" algn="l" defTabSz="914400" rtl="0" eaLnBrk="0" fontAlgn="base" latinLnBrk="0" hangingPunct="0">
+              <a:lnSpc>
+                <a:spcPct val="100000"/>
+              </a:lnSpc>
               <a:spcBef>
                 <a:spcPct val="0"/>
               </a:spcBef>
               <a:spcAft>
                 <a:spcPct val="0"/>
               </a:spcAft>
-              <a:defRPr sz="4400">
-                <a:solidFill>
-                  <a:schemeClr val="tx2"/>
-                </a:solidFill>
-                <a:latin typeface="Arial" panose="020B0604020202020204" pitchFamily="34" charset="0"/>
-                <a:cs typeface="Arial" panose="020B0604020202020204" pitchFamily="34" charset="0"/>
-              </a:defRPr>
-            </a:lvl6pPr>
-            <a:lvl7pPr marL="914400" algn="ctr" rtl="0" fontAlgn="base">
-              <a:spcBef>
-                <a:spcPct val="0"/>
+              <a:buClrTx/>
+              <a:buSzTx/>
+              <a:buFontTx/>
+              <a:buNone/>
+              <a:tabLst/>
+            </a:pPr>
+            <a:br>
+              <a:rPr kumimoji="0" lang="ko-KR" altLang="ko-KR" sz="1800" b="0" i="0" u="none" strike="noStrike" cap="none" normalizeH="0" baseline="0">
+                <a:ln>
+                  <a:noFill/>
+                </a:ln>
+                <a:solidFill>
+                  <a:schemeClr val="tx1"/>
+                </a:solidFill>
+                <a:effectLst/>
+                <a:latin typeface="Arial" panose="020B0604020202020204" pitchFamily="34" charset="0"/>
+              </a:rPr>
+            </a:br>
+            <a:endParaRPr kumimoji="0" lang="ko-KR" altLang="ko-KR" sz="1800" b="0" i="0" u="none" strike="noStrike" cap="none" normalizeH="0" baseline="0">
+              <a:ln>
+                <a:noFill/>
+              </a:ln>
+              <a:solidFill>
+                <a:schemeClr val="tx1"/>
+              </a:solidFill>
+              <a:effectLst/>
+              <a:latin typeface="Arial" panose="020B0604020202020204" pitchFamily="34" charset="0"/>
+            </a:endParaRPr>
+          </a:p>
+        </p:txBody>
+      </p:sp>
+      <p:sp>
+        <p:nvSpPr>
+          <p:cNvPr id="7" name="TextBox 6">
+            <a:extLst>
+              <a:ext uri="{FF2B5EF4-FFF2-40B4-BE49-F238E27FC236}">
+                <a16:creationId xmlns:a16="http://schemas.microsoft.com/office/drawing/2014/main" id="{1108C41A-3798-4D8A-B552-9BBFF5DDBD18}"/>
+              </a:ext>
+            </a:extLst>
+          </p:cNvPr>
+          <p:cNvSpPr txBox="1">
+            <a:spLocks noChangeArrowheads="1"/>
+          </p:cNvSpPr>
+          <p:nvPr/>
+        </p:nvSpPr>
+        <p:spPr bwMode="auto">
+          <a:xfrm>
+            <a:off x="591246" y="5162724"/>
+            <a:ext cx="7909978" cy="1255728"/>
+          </a:xfrm>
+          <a:prstGeom prst="rect">
+            <a:avLst/>
+          </a:prstGeom>
+          <a:noFill/>
+          <a:ln>
+            <a:noFill/>
+          </a:ln>
+          <a:extLst>
+            <a:ext uri="{909E8E84-426E-40DD-AFC4-6F175D3DCCD1}">
+              <a14:hiddenFill xmlns:a14="http://schemas.microsoft.com/office/drawing/2010/main">
+                <a:solidFill>
+                  <a:srgbClr val="FFFFFF"/>
+                </a:solidFill>
+              </a14:hiddenFill>
+            </a:ext>
+            <a:ext uri="{91240B29-F687-4F45-9708-019B960494DF}">
+              <a14:hiddenLine xmlns:a14="http://schemas.microsoft.com/office/drawing/2010/main" w="9525">
+                <a:solidFill>
+                  <a:srgbClr val="000000"/>
+                </a:solidFill>
+                <a:miter lim="800000"/>
+                <a:headEnd/>
+                <a:tailEnd/>
+              </a14:hiddenLine>
+            </a:ext>
+          </a:extLst>
+        </p:spPr>
+        <p:txBody>
+          <a:bodyPr wrap="square">
+            <a:spAutoFit/>
+          </a:bodyPr>
+          <a:lstStyle>
+            <a:lvl1pPr>
+              <a:spcBef>
+                <a:spcPct val="20000"/>
+              </a:spcBef>
+              <a:buChar char="•"/>
+              <a:defRPr sz="3200">
+                <a:solidFill>
+                  <a:schemeClr val="tx1"/>
+                </a:solidFill>
+                <a:latin typeface="Arial" panose="020B0604020202020204" pitchFamily="34" charset="0"/>
+                <a:ea typeface="Arial Unicode MS" panose="020B0604020202020204" pitchFamily="50" charset="-127"/>
+                <a:cs typeface="Arial" panose="020B0604020202020204" pitchFamily="34" charset="0"/>
+              </a:defRPr>
+            </a:lvl1pPr>
+            <a:lvl2pPr marL="742950" indent="-285750">
+              <a:spcBef>
+                <a:spcPct val="20000"/>
+              </a:spcBef>
+              <a:buChar char="–"/>
+              <a:defRPr sz="2800">
+                <a:solidFill>
+                  <a:schemeClr val="tx1"/>
+                </a:solidFill>
+                <a:latin typeface="Arial" panose="020B0604020202020204" pitchFamily="34" charset="0"/>
+                <a:ea typeface="Arial Unicode MS" panose="020B0604020202020204" pitchFamily="50" charset="-127"/>
+                <a:cs typeface="Arial" panose="020B0604020202020204" pitchFamily="34" charset="0"/>
+              </a:defRPr>
+            </a:lvl2pPr>
+            <a:lvl3pPr marL="1143000" indent="-228600">
+              <a:spcBef>
+                <a:spcPct val="20000"/>
+              </a:spcBef>
+              <a:buChar char="•"/>
+              <a:defRPr sz="2400">
+                <a:solidFill>
+                  <a:schemeClr val="tx1"/>
+                </a:solidFill>
+                <a:latin typeface="Arial" panose="020B0604020202020204" pitchFamily="34" charset="0"/>
+                <a:ea typeface="Arial Unicode MS" panose="020B0604020202020204" pitchFamily="50" charset="-127"/>
+                <a:cs typeface="Arial" panose="020B0604020202020204" pitchFamily="34" charset="0"/>
+              </a:defRPr>
+            </a:lvl3pPr>
+            <a:lvl4pPr marL="1600200" indent="-228600">
+              <a:spcBef>
+                <a:spcPct val="20000"/>
+              </a:spcBef>
+              <a:buChar char="–"/>
+              <a:defRPr sz="2000">
+                <a:solidFill>
+                  <a:schemeClr val="tx1"/>
+                </a:solidFill>
+                <a:latin typeface="Arial" panose="020B0604020202020204" pitchFamily="34" charset="0"/>
+                <a:ea typeface="Arial Unicode MS" panose="020B0604020202020204" pitchFamily="50" charset="-127"/>
+                <a:cs typeface="Arial" panose="020B0604020202020204" pitchFamily="34" charset="0"/>
+              </a:defRPr>
+            </a:lvl4pPr>
+            <a:lvl5pPr marL="2057400" indent="-228600">
+              <a:spcBef>
+                <a:spcPct val="20000"/>
+              </a:spcBef>
+              <a:buChar char="»"/>
+              <a:defRPr sz="2000">
+                <a:solidFill>
+                  <a:schemeClr val="tx1"/>
+                </a:solidFill>
+                <a:latin typeface="Arial" panose="020B0604020202020204" pitchFamily="34" charset="0"/>
+                <a:ea typeface="Arial Unicode MS" panose="020B0604020202020204" pitchFamily="50" charset="-127"/>
+                <a:cs typeface="Arial" panose="020B0604020202020204" pitchFamily="34" charset="0"/>
+              </a:defRPr>
+            </a:lvl5pPr>
+            <a:lvl6pPr marL="2514600" indent="-228600" eaLnBrk="0" fontAlgn="base" hangingPunct="0">
+              <a:spcBef>
+                <a:spcPct val="20000"/>
               </a:spcBef>
               <a:spcAft>
                 <a:spcPct val="0"/>
               </a:spcAft>
-              <a:defRPr sz="4400">
-                <a:solidFill>
-                  <a:schemeClr val="tx2"/>
-                </a:solidFill>
-                <a:latin typeface="Arial" panose="020B0604020202020204" pitchFamily="34" charset="0"/>
-                <a:cs typeface="Arial" panose="020B0604020202020204" pitchFamily="34" charset="0"/>
-              </a:defRPr>
-            </a:lvl7pPr>
-            <a:lvl8pPr marL="1371600" algn="ctr" rtl="0" fontAlgn="base">
-              <a:spcBef>
-                <a:spcPct val="0"/>
+              <a:buChar char="»"/>
+              <a:defRPr sz="2000">
+                <a:solidFill>
+                  <a:schemeClr val="tx1"/>
+                </a:solidFill>
+                <a:latin typeface="Arial" panose="020B0604020202020204" pitchFamily="34" charset="0"/>
+                <a:ea typeface="Arial Unicode MS" panose="020B0604020202020204" pitchFamily="50" charset="-127"/>
+                <a:cs typeface="Arial" panose="020B0604020202020204" pitchFamily="34" charset="0"/>
+              </a:defRPr>
+            </a:lvl6pPr>
+            <a:lvl7pPr marL="2971800" indent="-228600" eaLnBrk="0" fontAlgn="base" hangingPunct="0">
+              <a:spcBef>
+                <a:spcPct val="20000"/>
               </a:spcBef>
               <a:spcAft>
                 <a:spcPct val="0"/>
               </a:spcAft>
-              <a:defRPr sz="4400">
-                <a:solidFill>
-                  <a:schemeClr val="tx2"/>
-                </a:solidFill>
-                <a:latin typeface="Arial" panose="020B0604020202020204" pitchFamily="34" charset="0"/>
-                <a:cs typeface="Arial" panose="020B0604020202020204" pitchFamily="34" charset="0"/>
-              </a:defRPr>
-            </a:lvl8pPr>
-            <a:lvl9pPr marL="1828800" algn="ctr" rtl="0" fontAlgn="base">
-              <a:spcBef>
-                <a:spcPct val="0"/>
+              <a:buChar char="»"/>
+              <a:defRPr sz="2000">
+                <a:solidFill>
+                  <a:schemeClr val="tx1"/>
+                </a:solidFill>
+                <a:latin typeface="Arial" panose="020B0604020202020204" pitchFamily="34" charset="0"/>
+                <a:ea typeface="Arial Unicode MS" panose="020B0604020202020204" pitchFamily="50" charset="-127"/>
+                <a:cs typeface="Arial" panose="020B0604020202020204" pitchFamily="34" charset="0"/>
+              </a:defRPr>
+            </a:lvl7pPr>
+            <a:lvl8pPr marL="3429000" indent="-228600" eaLnBrk="0" fontAlgn="base" hangingPunct="0">
+              <a:spcBef>
+                <a:spcPct val="20000"/>
               </a:spcBef>
               <a:spcAft>
                 <a:spcPct val="0"/>
               </a:spcAft>
-              <a:defRPr sz="4400">
-                <a:solidFill>
-                  <a:schemeClr val="tx2"/>
-                </a:solidFill>
-                <a:latin typeface="Arial" panose="020B0604020202020204" pitchFamily="34" charset="0"/>
+              <a:buChar char="»"/>
+              <a:defRPr sz="2000">
+                <a:solidFill>
+                  <a:schemeClr val="tx1"/>
+                </a:solidFill>
+                <a:latin typeface="Arial" panose="020B0604020202020204" pitchFamily="34" charset="0"/>
+                <a:ea typeface="Arial Unicode MS" panose="020B0604020202020204" pitchFamily="50" charset="-127"/>
+                <a:cs typeface="Arial" panose="020B0604020202020204" pitchFamily="34" charset="0"/>
+              </a:defRPr>
+            </a:lvl8pPr>
+            <a:lvl9pPr marL="3886200" indent="-228600" eaLnBrk="0" fontAlgn="base" hangingPunct="0">
+              <a:spcBef>
+                <a:spcPct val="20000"/>
+              </a:spcBef>
+              <a:spcAft>
+                <a:spcPct val="0"/>
+              </a:spcAft>
+              <a:buChar char="»"/>
+              <a:defRPr sz="2000">
+                <a:solidFill>
+                  <a:schemeClr val="tx1"/>
+                </a:solidFill>
+                <a:latin typeface="Arial" panose="020B0604020202020204" pitchFamily="34" charset="0"/>
+                <a:ea typeface="Arial Unicode MS" panose="020B0604020202020204" pitchFamily="50" charset="-127"/>
                 <a:cs typeface="Arial" panose="020B0604020202020204" pitchFamily="34" charset="0"/>
               </a:defRPr>
             </a:lvl9pPr>
           </a:lstStyle>
           <a:p>
-            <a:pPr eaLnBrk="1" hangingPunct="1"/>
-            <a:r>
-              <a:rPr lang="es-ES" altLang="ko-KR" sz="3200" b="1">
-                <a:solidFill>
-                  <a:schemeClr val="tx1"/>
-                </a:solidFill>
+            <a:pPr algn="l">
+              <a:buNone/>
+            </a:pPr>
+            <a:r>
+              <a:rPr lang="en-US" altLang="ko-KR" sz="1400" b="1">
+                <a:solidFill>
+                  <a:srgbClr val="24292F"/>
+                </a:solidFill>
+                <a:latin typeface="맑은 고딕" panose="020B0503020000020004" pitchFamily="50" charset="-127"/>
+                <a:ea typeface="맑은 고딕" panose="020B0503020000020004" pitchFamily="50" charset="-127"/>
               </a:rPr>
-              <a:t>Thank you</a:t>
-            </a:r>
+              <a:t>2. Poll Phase</a:t>
+            </a:r>
+            <a:r>
+              <a:rPr lang="ko-KR" altLang="en-US" sz="1400" b="1">
+                <a:solidFill>
+                  <a:srgbClr val="24292F"/>
+                </a:solidFill>
+                <a:latin typeface="맑은 고딕" panose="020B0503020000020004" pitchFamily="50" charset="-127"/>
+                <a:ea typeface="맑은 고딕" panose="020B0503020000020004" pitchFamily="50" charset="-127"/>
+              </a:rPr>
+              <a:t>의 블로킹</a:t>
+            </a:r>
+            <a:br>
+              <a:rPr lang="en-US" altLang="ko-KR" sz="1400" b="0" i="0">
+                <a:solidFill>
+                  <a:srgbClr val="24292F"/>
+                </a:solidFill>
+                <a:effectLst/>
+                <a:latin typeface="맑은 고딕" panose="020B0503020000020004" pitchFamily="50" charset="-127"/>
+                <a:ea typeface="맑은 고딕" panose="020B0503020000020004" pitchFamily="50" charset="-127"/>
+              </a:rPr>
+            </a:br>
+            <a:br>
+              <a:rPr lang="en-US" altLang="ko-KR" sz="1400" b="0" i="0">
+                <a:solidFill>
+                  <a:srgbClr val="24292F"/>
+                </a:solidFill>
+                <a:effectLst/>
+                <a:latin typeface="맑은 고딕" panose="020B0503020000020004" pitchFamily="50" charset="-127"/>
+                <a:ea typeface="맑은 고딕" panose="020B0503020000020004" pitchFamily="50" charset="-127"/>
+              </a:rPr>
+            </a:br>
+            <a:r>
+              <a:rPr lang="en-US" altLang="ko-KR" sz="1400" b="0" i="0">
+                <a:solidFill>
+                  <a:srgbClr val="24292F"/>
+                </a:solidFill>
+                <a:effectLst/>
+                <a:latin typeface="맑은 고딕" panose="020B0503020000020004" pitchFamily="50" charset="-127"/>
+                <a:ea typeface="맑은 고딕" panose="020B0503020000020004" pitchFamily="50" charset="-127"/>
+              </a:rPr>
+              <a:t>   </a:t>
+            </a:r>
+            <a:r>
+              <a:rPr lang="ko-KR" altLang="en-US" sz="1400" i="0">
+                <a:solidFill>
+                  <a:srgbClr val="24292F"/>
+                </a:solidFill>
+                <a:effectLst/>
+                <a:latin typeface="맑은 고딕" panose="020B0503020000020004" pitchFamily="50" charset="-127"/>
+                <a:ea typeface="맑은 고딕" panose="020B0503020000020004" pitchFamily="50" charset="-127"/>
+              </a:rPr>
+              <a:t>이벤트 루프에 작업이 </a:t>
+            </a:r>
+            <a:r>
+              <a:rPr lang="en-US" altLang="ko-KR" sz="1400" i="0">
+                <a:solidFill>
+                  <a:srgbClr val="24292F"/>
+                </a:solidFill>
+                <a:effectLst/>
+                <a:latin typeface="맑은 고딕" panose="020B0503020000020004" pitchFamily="50" charset="-127"/>
+                <a:ea typeface="맑은 고딕" panose="020B0503020000020004" pitchFamily="50" charset="-127"/>
+              </a:rPr>
+              <a:t>Expired Timer callback Phase</a:t>
+            </a:r>
+            <a:r>
+              <a:rPr lang="ko-KR" altLang="en-US" sz="1400" i="0">
+                <a:solidFill>
+                  <a:srgbClr val="24292F"/>
+                </a:solidFill>
+                <a:effectLst/>
+                <a:latin typeface="맑은 고딕" panose="020B0503020000020004" pitchFamily="50" charset="-127"/>
+                <a:ea typeface="맑은 고딕" panose="020B0503020000020004" pitchFamily="50" charset="-127"/>
+              </a:rPr>
+              <a:t>의 </a:t>
+            </a:r>
+            <a:r>
+              <a:rPr lang="en-US" altLang="ko-KR" sz="1400" i="0">
+                <a:solidFill>
+                  <a:srgbClr val="24292F"/>
+                </a:solidFill>
+                <a:effectLst/>
+                <a:latin typeface="맑은 고딕" panose="020B0503020000020004" pitchFamily="50" charset="-127"/>
+                <a:ea typeface="맑은 고딕" panose="020B0503020000020004" pitchFamily="50" charset="-127"/>
+              </a:rPr>
+              <a:t>timer</a:t>
+            </a:r>
+            <a:r>
+              <a:rPr lang="ko-KR" altLang="en-US" sz="1400" i="0">
+                <a:solidFill>
+                  <a:srgbClr val="24292F"/>
+                </a:solidFill>
+                <a:effectLst/>
+                <a:latin typeface="맑은 고딕" panose="020B0503020000020004" pitchFamily="50" charset="-127"/>
+                <a:ea typeface="맑은 고딕" panose="020B0503020000020004" pitchFamily="50" charset="-127"/>
+              </a:rPr>
+              <a:t>만 있고</a:t>
+            </a:r>
+          </a:p>
+          <a:p>
+            <a:pPr algn="l">
+              <a:buNone/>
+            </a:pPr>
+            <a:r>
+              <a:rPr lang="en-US" altLang="ko-KR" sz="1400" i="0">
+                <a:solidFill>
+                  <a:srgbClr val="24292F"/>
+                </a:solidFill>
+                <a:effectLst/>
+                <a:latin typeface="맑은 고딕" panose="020B0503020000020004" pitchFamily="50" charset="-127"/>
+                <a:ea typeface="맑은 고딕" panose="020B0503020000020004" pitchFamily="50" charset="-127"/>
+              </a:rPr>
+              <a:t>   n</a:t>
+            </a:r>
+            <a:r>
+              <a:rPr lang="ko-KR" altLang="en-US" sz="1400" i="0">
+                <a:solidFill>
+                  <a:srgbClr val="24292F"/>
+                </a:solidFill>
+                <a:effectLst/>
+                <a:latin typeface="맑은 고딕" panose="020B0503020000020004" pitchFamily="50" charset="-127"/>
+                <a:ea typeface="맑은 고딕" panose="020B0503020000020004" pitchFamily="50" charset="-127"/>
+              </a:rPr>
+              <a:t>초 후 </a:t>
+            </a:r>
+            <a:r>
+              <a:rPr lang="en-US" altLang="ko-KR" sz="1400" i="0">
+                <a:solidFill>
+                  <a:srgbClr val="24292F"/>
+                </a:solidFill>
+                <a:effectLst/>
+                <a:latin typeface="맑은 고딕" panose="020B0503020000020004" pitchFamily="50" charset="-127"/>
+                <a:ea typeface="맑은 고딕" panose="020B0503020000020004" pitchFamily="50" charset="-127"/>
+              </a:rPr>
+              <a:t>timer</a:t>
+            </a:r>
+            <a:r>
+              <a:rPr lang="ko-KR" altLang="en-US" sz="1400" i="0">
+                <a:solidFill>
+                  <a:srgbClr val="24292F"/>
+                </a:solidFill>
+                <a:effectLst/>
+                <a:latin typeface="맑은 고딕" panose="020B0503020000020004" pitchFamily="50" charset="-127"/>
+                <a:ea typeface="맑은 고딕" panose="020B0503020000020004" pitchFamily="50" charset="-127"/>
+              </a:rPr>
+              <a:t>가 실행되는 경우라면</a:t>
+            </a:r>
+          </a:p>
+          <a:p>
+            <a:pPr algn="l">
+              <a:buNone/>
+            </a:pPr>
+            <a:r>
+              <a:rPr lang="en-US" altLang="ko-KR" sz="1400" i="0">
+                <a:solidFill>
+                  <a:srgbClr val="24292F"/>
+                </a:solidFill>
+                <a:effectLst/>
+                <a:latin typeface="맑은 고딕" panose="020B0503020000020004" pitchFamily="50" charset="-127"/>
+                <a:ea typeface="맑은 고딕" panose="020B0503020000020004" pitchFamily="50" charset="-127"/>
+              </a:rPr>
+              <a:t>   n</a:t>
+            </a:r>
+            <a:r>
+              <a:rPr lang="ko-KR" altLang="en-US" sz="1400" i="0">
+                <a:solidFill>
+                  <a:srgbClr val="24292F"/>
+                </a:solidFill>
+                <a:effectLst/>
+                <a:latin typeface="맑은 고딕" panose="020B0503020000020004" pitchFamily="50" charset="-127"/>
+                <a:ea typeface="맑은 고딕" panose="020B0503020000020004" pitchFamily="50" charset="-127"/>
+              </a:rPr>
+              <a:t>초 동안 이벤트 루프를 무한루프 돌지 않고 </a:t>
+            </a:r>
+            <a:r>
+              <a:rPr lang="en-US" altLang="ko-KR" sz="1400" i="0">
+                <a:solidFill>
+                  <a:srgbClr val="24292F"/>
+                </a:solidFill>
+                <a:effectLst/>
+                <a:latin typeface="맑은 고딕" panose="020B0503020000020004" pitchFamily="50" charset="-127"/>
+                <a:ea typeface="맑은 고딕" panose="020B0503020000020004" pitchFamily="50" charset="-127"/>
+              </a:rPr>
+              <a:t>Poll Phase</a:t>
+            </a:r>
+            <a:r>
+              <a:rPr lang="ko-KR" altLang="en-US" sz="1400" i="0">
+                <a:solidFill>
+                  <a:srgbClr val="24292F"/>
+                </a:solidFill>
+                <a:effectLst/>
+                <a:latin typeface="맑은 고딕" panose="020B0503020000020004" pitchFamily="50" charset="-127"/>
+                <a:ea typeface="맑은 고딕" panose="020B0503020000020004" pitchFamily="50" charset="-127"/>
+              </a:rPr>
+              <a:t>에서 대기한다</a:t>
+            </a:r>
+            <a:r>
+              <a:rPr lang="en-US" altLang="ko-KR" sz="1400" i="0">
+                <a:solidFill>
+                  <a:srgbClr val="24292F"/>
+                </a:solidFill>
+                <a:effectLst/>
+                <a:latin typeface="맑은 고딕" panose="020B0503020000020004" pitchFamily="50" charset="-127"/>
+                <a:ea typeface="맑은 고딕" panose="020B0503020000020004" pitchFamily="50" charset="-127"/>
+              </a:rPr>
+              <a:t>.</a:t>
+            </a:r>
+            <a:endParaRPr lang="en-US" altLang="ko-KR" sz="1400" b="0" i="0">
+              <a:solidFill>
+                <a:srgbClr val="24292F"/>
+              </a:solidFill>
+              <a:effectLst/>
+              <a:latin typeface="맑은 고딕" panose="020B0503020000020004" pitchFamily="50" charset="-127"/>
+              <a:ea typeface="맑은 고딕" panose="020B0503020000020004" pitchFamily="50" charset="-127"/>
+            </a:endParaRPr>
           </a:p>
         </p:txBody>
       </p:sp>
+      <p:pic>
+        <p:nvPicPr>
+          <p:cNvPr id="12" name="그림 11">
+            <a:extLst>
+              <a:ext uri="{FF2B5EF4-FFF2-40B4-BE49-F238E27FC236}">
+                <a16:creationId xmlns:a16="http://schemas.microsoft.com/office/drawing/2014/main" id="{87666EE9-8B10-4C35-8256-A4264D8A4CD6}"/>
+              </a:ext>
+            </a:extLst>
+          </p:cNvPr>
+          <p:cNvPicPr>
+            <a:picLocks noChangeAspect="1"/>
+          </p:cNvPicPr>
+          <p:nvPr/>
+        </p:nvPicPr>
+        <p:blipFill>
+          <a:blip r:embed="rId2"/>
+          <a:stretch>
+            <a:fillRect/>
+          </a:stretch>
+        </p:blipFill>
+        <p:spPr>
+          <a:xfrm>
+            <a:off x="0" y="1412776"/>
+            <a:ext cx="9144000" cy="3431246"/>
+          </a:xfrm>
+          <a:prstGeom prst="rect">
+            <a:avLst/>
+          </a:prstGeom>
+        </p:spPr>
+      </p:pic>
+      <p:pic>
+        <p:nvPicPr>
+          <p:cNvPr id="13" name="그래픽 12" descr="배지 체크 표시1 단색으로 채워진">
+            <a:extLst>
+              <a:ext uri="{FF2B5EF4-FFF2-40B4-BE49-F238E27FC236}">
+                <a16:creationId xmlns:a16="http://schemas.microsoft.com/office/drawing/2014/main" id="{39D106BA-F82A-491B-A074-CE89BDDEFA2E}"/>
+              </a:ext>
+            </a:extLst>
+          </p:cNvPr>
+          <p:cNvPicPr>
+            <a:picLocks noChangeAspect="1"/>
+          </p:cNvPicPr>
+          <p:nvPr/>
+        </p:nvPicPr>
+        <p:blipFill>
+          <a:blip r:embed="rId3">
+            <a:extLst>
+              <a:ext uri="{28A0092B-C50C-407E-A947-70E740481C1C}">
+                <a14:useLocalDpi xmlns:a14="http://schemas.microsoft.com/office/drawing/2010/main" val="0"/>
+              </a:ext>
+              <a:ext uri="{96DAC541-7B7A-43D3-8B79-37D633B846F1}">
+                <asvg:svgBlip xmlns:asvg="http://schemas.microsoft.com/office/drawing/2016/SVG/main" r:embed="rId4"/>
+              </a:ext>
+            </a:extLst>
+          </a:blip>
+          <a:stretch>
+            <a:fillRect/>
+          </a:stretch>
+        </p:blipFill>
+        <p:spPr>
+          <a:xfrm>
+            <a:off x="4230832" y="2708176"/>
+            <a:ext cx="630805" cy="630805"/>
+          </a:xfrm>
+          <a:prstGeom prst="rect">
+            <a:avLst/>
+          </a:prstGeom>
+        </p:spPr>
+      </p:pic>
+      <p:pic>
+        <p:nvPicPr>
+          <p:cNvPr id="14" name="그래픽 13" descr="배지 체크 표시1 단색으로 채워진">
+            <a:extLst>
+              <a:ext uri="{FF2B5EF4-FFF2-40B4-BE49-F238E27FC236}">
+                <a16:creationId xmlns:a16="http://schemas.microsoft.com/office/drawing/2014/main" id="{4B9A9F9F-CD30-4195-B363-EBCA690FE85C}"/>
+              </a:ext>
+            </a:extLst>
+          </p:cNvPr>
+          <p:cNvPicPr>
+            <a:picLocks noChangeAspect="1"/>
+          </p:cNvPicPr>
+          <p:nvPr/>
+        </p:nvPicPr>
+        <p:blipFill>
+          <a:blip r:embed="rId3">
+            <a:extLst>
+              <a:ext uri="{28A0092B-C50C-407E-A947-70E740481C1C}">
+                <a14:useLocalDpi xmlns:a14="http://schemas.microsoft.com/office/drawing/2010/main" val="0"/>
+              </a:ext>
+              <a:ext uri="{96DAC541-7B7A-43D3-8B79-37D633B846F1}">
+                <asvg:svgBlip xmlns:asvg="http://schemas.microsoft.com/office/drawing/2016/SVG/main" r:embed="rId4"/>
+              </a:ext>
+            </a:extLst>
+          </a:blip>
+          <a:stretch>
+            <a:fillRect/>
+          </a:stretch>
+        </p:blipFill>
+        <p:spPr>
+          <a:xfrm>
+            <a:off x="5508104" y="3284984"/>
+            <a:ext cx="630805" cy="630805"/>
+          </a:xfrm>
+          <a:prstGeom prst="rect">
+            <a:avLst/>
+          </a:prstGeom>
+        </p:spPr>
+      </p:pic>
     </p:spTree>
     <p:extLst>
       <p:ext uri="{BB962C8B-B14F-4D97-AF65-F5344CB8AC3E}">
-        <p14:creationId xmlns:p14="http://schemas.microsoft.com/office/powerpoint/2010/main" val="597958096"/>
+        <p14:creationId xmlns:p14="http://schemas.microsoft.com/office/powerpoint/2010/main" val="1634473547"/>
       </p:ext>
     </p:extLst>
   </p:cSld>
@@ -11175,22 +12703,6 @@
                   <a:cs typeface="Arial" panose="020B0604020202020204" pitchFamily="34" charset="0"/>
                 </a:rPr>
                 <a:t>Node.js</a:t>
-              </a:r>
-              <a:r>
-                <a:rPr lang="ko-KR" altLang="en-US" sz="1400">
-                  <a:latin typeface="맑은 고딕" panose="020B0503020000020004" pitchFamily="50" charset="-127"/>
-                  <a:ea typeface="맑은 고딕" panose="020B0503020000020004" pitchFamily="50" charset="-127"/>
-                  <a:cs typeface="Arial" panose="020B0604020202020204" pitchFamily="34" charset="0"/>
-                </a:rPr>
-                <a:t>와 브라우저의 차이  </a:t>
-              </a:r>
-              <a:r>
-                <a:rPr lang="en-US" altLang="ko-KR" sz="1400">
-                  <a:latin typeface="맑은 고딕" panose="020B0503020000020004" pitchFamily="50" charset="-127"/>
-                  <a:ea typeface="맑은 고딕" panose="020B0503020000020004" pitchFamily="50" charset="-127"/>
-                  <a:cs typeface="Arial" panose="020B0604020202020204" pitchFamily="34" charset="0"/>
-                </a:rPr>
-                <a:t>/  Node.js</a:t>
               </a:r>
               <a:r>
                 <a:rPr lang="ko-KR" altLang="en-US" sz="1400">
@@ -11628,23 +13140,7 @@
                   <a:ea typeface="맑은 고딕" panose="020B0503020000020004" pitchFamily="50" charset="-127"/>
                   <a:cs typeface="Arial" panose="020B0604020202020204" pitchFamily="34" charset="0"/>
                 </a:rPr>
-                <a:t>Node.js </a:t>
-              </a:r>
-              <a:r>
-                <a:rPr lang="ko-KR" altLang="en-US" sz="1400">
-                  <a:latin typeface="맑은 고딕" panose="020B0503020000020004" pitchFamily="50" charset="-127"/>
-                  <a:ea typeface="맑은 고딕" panose="020B0503020000020004" pitchFamily="50" charset="-127"/>
-                  <a:cs typeface="Arial" panose="020B0604020202020204" pitchFamily="34" charset="0"/>
-                </a:rPr>
-                <a:t>이벤트 루프 단계  </a:t>
-              </a:r>
-              <a:r>
-                <a:rPr lang="en-US" altLang="ko-KR" sz="1400">
-                  <a:latin typeface="맑은 고딕" panose="020B0503020000020004" pitchFamily="50" charset="-127"/>
-                  <a:ea typeface="맑은 고딕" panose="020B0503020000020004" pitchFamily="50" charset="-127"/>
-                  <a:cs typeface="Arial" panose="020B0604020202020204" pitchFamily="34" charset="0"/>
-                </a:rPr>
-                <a:t>/  Node.js</a:t>
+                <a:t>Node.js</a:t>
               </a:r>
               <a:r>
                 <a:rPr lang="ko-KR" altLang="en-US" sz="1400">
@@ -11720,6 +13216,253 @@
         </p:txBody>
       </p:sp>
     </p:spTree>
+  </p:cSld>
+  <p:clrMapOvr>
+    <a:masterClrMapping/>
+  </p:clrMapOvr>
+</p:sld>
+</file>
+
+<file path=ppt/slides/slide20.xml><?xml version="1.0" encoding="utf-8"?>
+<p:sld xmlns:a="http://schemas.openxmlformats.org/drawingml/2006/main" xmlns:r="http://schemas.openxmlformats.org/officeDocument/2006/relationships" xmlns:p="http://schemas.openxmlformats.org/presentationml/2006/main">
+  <p:cSld>
+    <p:spTree>
+      <p:nvGrpSpPr>
+        <p:cNvPr id="1" name=""/>
+        <p:cNvGrpSpPr/>
+        <p:nvPr/>
+      </p:nvGrpSpPr>
+      <p:grpSpPr>
+        <a:xfrm>
+          <a:off x="0" y="0"/>
+          <a:ext cx="0" cy="0"/>
+          <a:chOff x="0" y="0"/>
+          <a:chExt cx="0" cy="0"/>
+        </a:xfrm>
+      </p:grpSpPr>
+      <p:sp>
+        <p:nvSpPr>
+          <p:cNvPr id="9" name="Rectangle 150">
+            <a:extLst>
+              <a:ext uri="{FF2B5EF4-FFF2-40B4-BE49-F238E27FC236}">
+                <a16:creationId xmlns:a16="http://schemas.microsoft.com/office/drawing/2014/main" id="{B6D2B44A-A8AF-419F-A2C5-7317925249E9}"/>
+              </a:ext>
+            </a:extLst>
+          </p:cNvPr>
+          <p:cNvSpPr txBox="1">
+            <a:spLocks noChangeArrowheads="1"/>
+          </p:cNvSpPr>
+          <p:nvPr/>
+        </p:nvSpPr>
+        <p:spPr bwMode="auto">
+          <a:xfrm>
+            <a:off x="2159793" y="2781300"/>
+            <a:ext cx="4824413" cy="647700"/>
+          </a:xfrm>
+          <a:prstGeom prst="rect">
+            <a:avLst/>
+          </a:prstGeom>
+          <a:noFill/>
+          <a:ln>
+            <a:noFill/>
+          </a:ln>
+          <a:effectLst/>
+          <a:extLst>
+            <a:ext uri="{909E8E84-426E-40DD-AFC4-6F175D3DCCD1}">
+              <a14:hiddenFill xmlns:a14="http://schemas.microsoft.com/office/drawing/2010/main">
+                <a:solidFill>
+                  <a:schemeClr val="accent1"/>
+                </a:solidFill>
+              </a14:hiddenFill>
+            </a:ext>
+            <a:ext uri="{91240B29-F687-4F45-9708-019B960494DF}">
+              <a14:hiddenLine xmlns:a14="http://schemas.microsoft.com/office/drawing/2010/main" w="9525">
+                <a:solidFill>
+                  <a:schemeClr val="tx1"/>
+                </a:solidFill>
+                <a:miter lim="800000"/>
+                <a:headEnd/>
+                <a:tailEnd/>
+              </a14:hiddenLine>
+            </a:ext>
+            <a:ext uri="{AF507438-7753-43E0-B8FC-AC1667EBCBE1}">
+              <a14:hiddenEffects xmlns:a14="http://schemas.microsoft.com/office/drawing/2010/main">
+                <a:effectLst>
+                  <a:outerShdw dist="35921" dir="2700000" algn="ctr" rotWithShape="0">
+                    <a:schemeClr val="bg2"/>
+                  </a:outerShdw>
+                </a:effectLst>
+              </a14:hiddenEffects>
+            </a:ext>
+          </a:extLst>
+        </p:spPr>
+        <p:txBody>
+          <a:bodyPr vert="horz" wrap="square" lIns="91440" tIns="45720" rIns="91440" bIns="45720" numCol="1" anchor="ctr" anchorCtr="0" compatLnSpc="1">
+            <a:prstTxWarp prst="textNoShape">
+              <a:avLst/>
+            </a:prstTxWarp>
+          </a:bodyPr>
+          <a:lstStyle>
+            <a:lvl1pPr algn="ctr" rtl="0" eaLnBrk="0" fontAlgn="base" hangingPunct="0">
+              <a:spcBef>
+                <a:spcPct val="0"/>
+              </a:spcBef>
+              <a:spcAft>
+                <a:spcPct val="0"/>
+              </a:spcAft>
+              <a:defRPr sz="4400" kern="1200">
+                <a:solidFill>
+                  <a:schemeClr val="tx2"/>
+                </a:solidFill>
+                <a:latin typeface="맑은 고딕" panose="020B0503020000020004" pitchFamily="50" charset="-127"/>
+                <a:ea typeface="맑은 고딕" panose="020B0503020000020004" pitchFamily="50" charset="-127"/>
+                <a:cs typeface="+mj-cs"/>
+              </a:defRPr>
+            </a:lvl1pPr>
+            <a:lvl2pPr algn="ctr" rtl="0" eaLnBrk="0" fontAlgn="base" hangingPunct="0">
+              <a:spcBef>
+                <a:spcPct val="0"/>
+              </a:spcBef>
+              <a:spcAft>
+                <a:spcPct val="0"/>
+              </a:spcAft>
+              <a:defRPr sz="4400">
+                <a:solidFill>
+                  <a:schemeClr val="tx2"/>
+                </a:solidFill>
+                <a:latin typeface="Arial" panose="020B0604020202020204" pitchFamily="34" charset="0"/>
+                <a:ea typeface="Arial Unicode MS" panose="020B0604020202020204" pitchFamily="50" charset="-127"/>
+                <a:cs typeface="Arial" panose="020B0604020202020204" pitchFamily="34" charset="0"/>
+              </a:defRPr>
+            </a:lvl2pPr>
+            <a:lvl3pPr algn="ctr" rtl="0" eaLnBrk="0" fontAlgn="base" hangingPunct="0">
+              <a:spcBef>
+                <a:spcPct val="0"/>
+              </a:spcBef>
+              <a:spcAft>
+                <a:spcPct val="0"/>
+              </a:spcAft>
+              <a:defRPr sz="4400">
+                <a:solidFill>
+                  <a:schemeClr val="tx2"/>
+                </a:solidFill>
+                <a:latin typeface="Arial" panose="020B0604020202020204" pitchFamily="34" charset="0"/>
+                <a:ea typeface="Arial Unicode MS" panose="020B0604020202020204" pitchFamily="50" charset="-127"/>
+                <a:cs typeface="Arial" panose="020B0604020202020204" pitchFamily="34" charset="0"/>
+              </a:defRPr>
+            </a:lvl3pPr>
+            <a:lvl4pPr algn="ctr" rtl="0" eaLnBrk="0" fontAlgn="base" hangingPunct="0">
+              <a:spcBef>
+                <a:spcPct val="0"/>
+              </a:spcBef>
+              <a:spcAft>
+                <a:spcPct val="0"/>
+              </a:spcAft>
+              <a:defRPr sz="4400">
+                <a:solidFill>
+                  <a:schemeClr val="tx2"/>
+                </a:solidFill>
+                <a:latin typeface="Arial" panose="020B0604020202020204" pitchFamily="34" charset="0"/>
+                <a:ea typeface="Arial Unicode MS" panose="020B0604020202020204" pitchFamily="50" charset="-127"/>
+                <a:cs typeface="Arial" panose="020B0604020202020204" pitchFamily="34" charset="0"/>
+              </a:defRPr>
+            </a:lvl4pPr>
+            <a:lvl5pPr algn="ctr" rtl="0" eaLnBrk="0" fontAlgn="base" hangingPunct="0">
+              <a:spcBef>
+                <a:spcPct val="0"/>
+              </a:spcBef>
+              <a:spcAft>
+                <a:spcPct val="0"/>
+              </a:spcAft>
+              <a:defRPr sz="4400">
+                <a:solidFill>
+                  <a:schemeClr val="tx2"/>
+                </a:solidFill>
+                <a:latin typeface="Arial" panose="020B0604020202020204" pitchFamily="34" charset="0"/>
+                <a:ea typeface="Arial Unicode MS" panose="020B0604020202020204" pitchFamily="50" charset="-127"/>
+                <a:cs typeface="Arial" panose="020B0604020202020204" pitchFamily="34" charset="0"/>
+              </a:defRPr>
+            </a:lvl5pPr>
+            <a:lvl6pPr marL="457200" algn="ctr" rtl="0" fontAlgn="base">
+              <a:spcBef>
+                <a:spcPct val="0"/>
+              </a:spcBef>
+              <a:spcAft>
+                <a:spcPct val="0"/>
+              </a:spcAft>
+              <a:defRPr sz="4400">
+                <a:solidFill>
+                  <a:schemeClr val="tx2"/>
+                </a:solidFill>
+                <a:latin typeface="Arial" panose="020B0604020202020204" pitchFamily="34" charset="0"/>
+                <a:cs typeface="Arial" panose="020B0604020202020204" pitchFamily="34" charset="0"/>
+              </a:defRPr>
+            </a:lvl6pPr>
+            <a:lvl7pPr marL="914400" algn="ctr" rtl="0" fontAlgn="base">
+              <a:spcBef>
+                <a:spcPct val="0"/>
+              </a:spcBef>
+              <a:spcAft>
+                <a:spcPct val="0"/>
+              </a:spcAft>
+              <a:defRPr sz="4400">
+                <a:solidFill>
+                  <a:schemeClr val="tx2"/>
+                </a:solidFill>
+                <a:latin typeface="Arial" panose="020B0604020202020204" pitchFamily="34" charset="0"/>
+                <a:cs typeface="Arial" panose="020B0604020202020204" pitchFamily="34" charset="0"/>
+              </a:defRPr>
+            </a:lvl7pPr>
+            <a:lvl8pPr marL="1371600" algn="ctr" rtl="0" fontAlgn="base">
+              <a:spcBef>
+                <a:spcPct val="0"/>
+              </a:spcBef>
+              <a:spcAft>
+                <a:spcPct val="0"/>
+              </a:spcAft>
+              <a:defRPr sz="4400">
+                <a:solidFill>
+                  <a:schemeClr val="tx2"/>
+                </a:solidFill>
+                <a:latin typeface="Arial" panose="020B0604020202020204" pitchFamily="34" charset="0"/>
+                <a:cs typeface="Arial" panose="020B0604020202020204" pitchFamily="34" charset="0"/>
+              </a:defRPr>
+            </a:lvl8pPr>
+            <a:lvl9pPr marL="1828800" algn="ctr" rtl="0" fontAlgn="base">
+              <a:spcBef>
+                <a:spcPct val="0"/>
+              </a:spcBef>
+              <a:spcAft>
+                <a:spcPct val="0"/>
+              </a:spcAft>
+              <a:defRPr sz="4400">
+                <a:solidFill>
+                  <a:schemeClr val="tx2"/>
+                </a:solidFill>
+                <a:latin typeface="Arial" panose="020B0604020202020204" pitchFamily="34" charset="0"/>
+                <a:cs typeface="Arial" panose="020B0604020202020204" pitchFamily="34" charset="0"/>
+              </a:defRPr>
+            </a:lvl9pPr>
+          </a:lstStyle>
+          <a:p>
+            <a:pPr eaLnBrk="1" hangingPunct="1"/>
+            <a:r>
+              <a:rPr lang="es-ES" altLang="ko-KR" sz="3200" b="1">
+                <a:solidFill>
+                  <a:schemeClr val="tx1"/>
+                </a:solidFill>
+              </a:rPr>
+              <a:t>Thank you</a:t>
+            </a:r>
+          </a:p>
+        </p:txBody>
+      </p:sp>
+    </p:spTree>
+    <p:extLst>
+      <p:ext uri="{BB962C8B-B14F-4D97-AF65-F5344CB8AC3E}">
+        <p14:creationId xmlns:p14="http://schemas.microsoft.com/office/powerpoint/2010/main" val="597958096"/>
+      </p:ext>
+    </p:extLst>
   </p:cSld>
   <p:clrMapOvr>
     <a:masterClrMapping/>
